--- a/sorting.pptx
+++ b/sorting.pptx
@@ -5,7 +5,7 @@
     <p:sldMasterId id="2147483648" r:id="rId1"/>
   </p:sldMasterIdLst>
   <p:notesMasterIdLst>
-    <p:notesMasterId r:id="rId19"/>
+    <p:notesMasterId r:id="rId26"/>
   </p:notesMasterIdLst>
   <p:sldIdLst>
     <p:sldId id="256" r:id="rId2"/>
@@ -25,6 +25,13 @@
     <p:sldId id="270" r:id="rId16"/>
     <p:sldId id="271" r:id="rId17"/>
     <p:sldId id="272" r:id="rId18"/>
+    <p:sldId id="273" r:id="rId19"/>
+    <p:sldId id="274" r:id="rId20"/>
+    <p:sldId id="275" r:id="rId21"/>
+    <p:sldId id="276" r:id="rId22"/>
+    <p:sldId id="277" r:id="rId23"/>
+    <p:sldId id="278" r:id="rId24"/>
+    <p:sldId id="279" r:id="rId25"/>
   </p:sldIdLst>
   <p:sldSz cx="12192000" cy="6858000"/>
   <p:notesSz cx="6858000" cy="9144000"/>
@@ -213,7 +220,7 @@
           <a:p>
             <a:fld id="{B2137A3F-9D60-4DD6-A24C-B3649629A203}" type="datetimeFigureOut">
               <a:rPr lang="en-US" smtClean="0"/>
-              <a:t>4/21/2024</a:t>
+              <a:t>4/22/2024</a:t>
             </a:fld>
             <a:endParaRPr lang="en-US"/>
           </a:p>
@@ -711,7 +718,7 @@
           <a:p>
             <a:fld id="{6670F559-D889-4546-BFE4-A04D13463207}" type="datetimeFigureOut">
               <a:rPr lang="en-US" smtClean="0"/>
-              <a:t>4/21/2024</a:t>
+              <a:t>4/22/2024</a:t>
             </a:fld>
             <a:endParaRPr lang="en-US"/>
           </a:p>
@@ -909,7 +916,7 @@
           <a:p>
             <a:fld id="{6670F559-D889-4546-BFE4-A04D13463207}" type="datetimeFigureOut">
               <a:rPr lang="en-US" smtClean="0"/>
-              <a:t>4/21/2024</a:t>
+              <a:t>4/22/2024</a:t>
             </a:fld>
             <a:endParaRPr lang="en-US"/>
           </a:p>
@@ -1117,7 +1124,7 @@
           <a:p>
             <a:fld id="{6670F559-D889-4546-BFE4-A04D13463207}" type="datetimeFigureOut">
               <a:rPr lang="en-US" smtClean="0"/>
-              <a:t>4/21/2024</a:t>
+              <a:t>4/22/2024</a:t>
             </a:fld>
             <a:endParaRPr lang="en-US"/>
           </a:p>
@@ -1315,7 +1322,7 @@
           <a:p>
             <a:fld id="{6670F559-D889-4546-BFE4-A04D13463207}" type="datetimeFigureOut">
               <a:rPr lang="en-US" smtClean="0"/>
-              <a:t>4/21/2024</a:t>
+              <a:t>4/22/2024</a:t>
             </a:fld>
             <a:endParaRPr lang="en-US"/>
           </a:p>
@@ -1590,7 +1597,7 @@
           <a:p>
             <a:fld id="{6670F559-D889-4546-BFE4-A04D13463207}" type="datetimeFigureOut">
               <a:rPr lang="en-US" smtClean="0"/>
-              <a:t>4/21/2024</a:t>
+              <a:t>4/22/2024</a:t>
             </a:fld>
             <a:endParaRPr lang="en-US"/>
           </a:p>
@@ -1855,7 +1862,7 @@
           <a:p>
             <a:fld id="{6670F559-D889-4546-BFE4-A04D13463207}" type="datetimeFigureOut">
               <a:rPr lang="en-US" smtClean="0"/>
-              <a:t>4/21/2024</a:t>
+              <a:t>4/22/2024</a:t>
             </a:fld>
             <a:endParaRPr lang="en-US"/>
           </a:p>
@@ -2267,7 +2274,7 @@
           <a:p>
             <a:fld id="{6670F559-D889-4546-BFE4-A04D13463207}" type="datetimeFigureOut">
               <a:rPr lang="en-US" smtClean="0"/>
-              <a:t>4/21/2024</a:t>
+              <a:t>4/22/2024</a:t>
             </a:fld>
             <a:endParaRPr lang="en-US"/>
           </a:p>
@@ -2408,7 +2415,7 @@
           <a:p>
             <a:fld id="{6670F559-D889-4546-BFE4-A04D13463207}" type="datetimeFigureOut">
               <a:rPr lang="en-US" smtClean="0"/>
-              <a:t>4/21/2024</a:t>
+              <a:t>4/22/2024</a:t>
             </a:fld>
             <a:endParaRPr lang="en-US"/>
           </a:p>
@@ -2521,7 +2528,7 @@
           <a:p>
             <a:fld id="{6670F559-D889-4546-BFE4-A04D13463207}" type="datetimeFigureOut">
               <a:rPr lang="en-US" smtClean="0"/>
-              <a:t>4/21/2024</a:t>
+              <a:t>4/22/2024</a:t>
             </a:fld>
             <a:endParaRPr lang="en-US"/>
           </a:p>
@@ -2832,7 +2839,7 @@
           <a:p>
             <a:fld id="{6670F559-D889-4546-BFE4-A04D13463207}" type="datetimeFigureOut">
               <a:rPr lang="en-US" smtClean="0"/>
-              <a:t>4/21/2024</a:t>
+              <a:t>4/22/2024</a:t>
             </a:fld>
             <a:endParaRPr lang="en-US"/>
           </a:p>
@@ -3120,7 +3127,7 @@
           <a:p>
             <a:fld id="{6670F559-D889-4546-BFE4-A04D13463207}" type="datetimeFigureOut">
               <a:rPr lang="en-US" smtClean="0"/>
-              <a:t>4/21/2024</a:t>
+              <a:t>4/22/2024</a:t>
             </a:fld>
             <a:endParaRPr lang="en-US"/>
           </a:p>
@@ -3361,7 +3368,7 @@
           <a:p>
             <a:fld id="{6670F559-D889-4546-BFE4-A04D13463207}" type="datetimeFigureOut">
               <a:rPr lang="en-US" smtClean="0"/>
-              <a:t>4/21/2024</a:t>
+              <a:t>4/22/2024</a:t>
             </a:fld>
             <a:endParaRPr lang="en-US"/>
           </a:p>
@@ -4982,6 +4989,327 @@
 </p:sld>
 </file>
 
+<file path=ppt/slides/slide18.xml><?xml version="1.0" encoding="utf-8"?>
+<p:sld xmlns:a="http://schemas.openxmlformats.org/drawingml/2006/main" xmlns:r="http://schemas.openxmlformats.org/officeDocument/2006/relationships" xmlns:p="http://schemas.openxmlformats.org/presentationml/2006/main">
+  <p:cSld>
+    <p:spTree>
+      <p:nvGrpSpPr>
+        <p:cNvPr id="1" name=""/>
+        <p:cNvGrpSpPr/>
+        <p:nvPr/>
+      </p:nvGrpSpPr>
+      <p:grpSpPr>
+        <a:xfrm>
+          <a:off x="0" y="0"/>
+          <a:ext cx="0" cy="0"/>
+          <a:chOff x="0" y="0"/>
+          <a:chExt cx="0" cy="0"/>
+        </a:xfrm>
+      </p:grpSpPr>
+      <p:pic>
+        <p:nvPicPr>
+          <p:cNvPr id="1026" name="Picture 2" descr="Unraveling QuickSort: The Fast and Versatile Sorting Algorithm | by Nathal  Dawson | Medium">
+            <a:extLst>
+              <a:ext uri="{FF2B5EF4-FFF2-40B4-BE49-F238E27FC236}">
+                <a16:creationId xmlns:a16="http://schemas.microsoft.com/office/drawing/2014/main" id="{51E1E188-3F5F-C836-F00C-BC0BB49AA8C0}"/>
+              </a:ext>
+            </a:extLst>
+          </p:cNvPr>
+          <p:cNvPicPr>
+            <a:picLocks noChangeAspect="1" noChangeArrowheads="1"/>
+          </p:cNvPicPr>
+          <p:nvPr/>
+        </p:nvPicPr>
+        <p:blipFill>
+          <a:blip r:embed="rId2">
+            <a:extLst>
+              <a:ext uri="{28A0092B-C50C-407E-A947-70E740481C1C}">
+                <a14:useLocalDpi xmlns:a14="http://schemas.microsoft.com/office/drawing/2010/main" val="0"/>
+              </a:ext>
+            </a:extLst>
+          </a:blip>
+          <a:srcRect/>
+          <a:stretch>
+            <a:fillRect/>
+          </a:stretch>
+        </p:blipFill>
+        <p:spPr bwMode="auto">
+          <a:xfrm>
+            <a:off x="935764" y="1162867"/>
+            <a:ext cx="5495925" cy="3905250"/>
+          </a:xfrm>
+          <a:prstGeom prst="rect">
+            <a:avLst/>
+          </a:prstGeom>
+          <a:noFill/>
+          <a:extLst>
+            <a:ext uri="{909E8E84-426E-40DD-AFC4-6F175D3DCCD1}">
+              <a14:hiddenFill xmlns:a14="http://schemas.microsoft.com/office/drawing/2010/main">
+                <a:solidFill>
+                  <a:srgbClr val="FFFFFF"/>
+                </a:solidFill>
+              </a14:hiddenFill>
+            </a:ext>
+          </a:extLst>
+        </p:spPr>
+      </p:pic>
+      <p:pic>
+        <p:nvPicPr>
+          <p:cNvPr id="5" name="Picture 4">
+            <a:extLst>
+              <a:ext uri="{FF2B5EF4-FFF2-40B4-BE49-F238E27FC236}">
+                <a16:creationId xmlns:a16="http://schemas.microsoft.com/office/drawing/2014/main" id="{0940CD6F-C727-D95A-AD92-C31F0727B9CE}"/>
+              </a:ext>
+            </a:extLst>
+          </p:cNvPr>
+          <p:cNvPicPr>
+            <a:picLocks noChangeAspect="1"/>
+          </p:cNvPicPr>
+          <p:nvPr/>
+        </p:nvPicPr>
+        <p:blipFill>
+          <a:blip r:embed="rId3"/>
+          <a:stretch>
+            <a:fillRect/>
+          </a:stretch>
+        </p:blipFill>
+        <p:spPr>
+          <a:xfrm>
+            <a:off x="6738602" y="531116"/>
+            <a:ext cx="4810796" cy="5430008"/>
+          </a:xfrm>
+          <a:prstGeom prst="rect">
+            <a:avLst/>
+          </a:prstGeom>
+        </p:spPr>
+      </p:pic>
+    </p:spTree>
+    <p:extLst>
+      <p:ext uri="{BB962C8B-B14F-4D97-AF65-F5344CB8AC3E}">
+        <p14:creationId xmlns:p14="http://schemas.microsoft.com/office/powerpoint/2010/main" val="2500572339"/>
+      </p:ext>
+    </p:extLst>
+  </p:cSld>
+  <p:clrMapOvr>
+    <a:masterClrMapping/>
+  </p:clrMapOvr>
+</p:sld>
+</file>
+
+<file path=ppt/slides/slide19.xml><?xml version="1.0" encoding="utf-8"?>
+<p:sld xmlns:a="http://schemas.openxmlformats.org/drawingml/2006/main" xmlns:r="http://schemas.openxmlformats.org/officeDocument/2006/relationships" xmlns:p="http://schemas.openxmlformats.org/presentationml/2006/main">
+  <p:cSld>
+    <p:spTree>
+      <p:nvGrpSpPr>
+        <p:cNvPr id="1" name=""/>
+        <p:cNvGrpSpPr/>
+        <p:nvPr/>
+      </p:nvGrpSpPr>
+      <p:grpSpPr>
+        <a:xfrm>
+          <a:off x="0" y="0"/>
+          <a:ext cx="0" cy="0"/>
+          <a:chOff x="0" y="0"/>
+          <a:chExt cx="0" cy="0"/>
+        </a:xfrm>
+      </p:grpSpPr>
+      <p:sp>
+        <p:nvSpPr>
+          <p:cNvPr id="2" name="Title 1">
+            <a:extLst>
+              <a:ext uri="{FF2B5EF4-FFF2-40B4-BE49-F238E27FC236}">
+                <a16:creationId xmlns:a16="http://schemas.microsoft.com/office/drawing/2014/main" id="{E7F32255-6E50-27B7-6A0E-1B58DAC71060}"/>
+              </a:ext>
+            </a:extLst>
+          </p:cNvPr>
+          <p:cNvSpPr>
+            <a:spLocks noGrp="1"/>
+          </p:cNvSpPr>
+          <p:nvPr>
+            <p:ph type="title"/>
+          </p:nvPr>
+        </p:nvSpPr>
+        <p:spPr/>
+        <p:txBody>
+          <a:bodyPr/>
+          <a:lstStyle/>
+          <a:p>
+            <a:r>
+              <a:rPr lang="en-US" b="0" i="0" dirty="0">
+                <a:solidFill>
+                  <a:srgbClr val="000000"/>
+                </a:solidFill>
+                <a:effectLst/>
+                <a:highlight>
+                  <a:srgbClr val="FFFFFF"/>
+                </a:highlight>
+                <a:latin typeface="Segoe UI" panose="020B0502040204020203" pitchFamily="34" charset="0"/>
+              </a:rPr>
+              <a:t>Linear Search</a:t>
+            </a:r>
+            <a:br>
+              <a:rPr lang="en-US" b="0" i="0" dirty="0">
+                <a:solidFill>
+                  <a:srgbClr val="000000"/>
+                </a:solidFill>
+                <a:effectLst/>
+                <a:highlight>
+                  <a:srgbClr val="FFFFFF"/>
+                </a:highlight>
+                <a:latin typeface="Segoe UI" panose="020B0502040204020203" pitchFamily="34" charset="0"/>
+              </a:rPr>
+            </a:br>
+            <a:endParaRPr lang="en-US" dirty="0"/>
+          </a:p>
+        </p:txBody>
+      </p:sp>
+      <p:sp>
+        <p:nvSpPr>
+          <p:cNvPr id="3" name="Content Placeholder 2">
+            <a:extLst>
+              <a:ext uri="{FF2B5EF4-FFF2-40B4-BE49-F238E27FC236}">
+                <a16:creationId xmlns:a16="http://schemas.microsoft.com/office/drawing/2014/main" id="{57688C77-A57B-DD0A-045C-85641DB7D050}"/>
+              </a:ext>
+            </a:extLst>
+          </p:cNvPr>
+          <p:cNvSpPr>
+            <a:spLocks noGrp="1"/>
+          </p:cNvSpPr>
+          <p:nvPr>
+            <p:ph idx="1"/>
+          </p:nvPr>
+        </p:nvSpPr>
+        <p:spPr/>
+        <p:txBody>
+          <a:bodyPr>
+            <a:normAutofit lnSpcReduction="10000"/>
+          </a:bodyPr>
+          <a:lstStyle/>
+          <a:p>
+            <a:pPr algn="l"/>
+            <a:r>
+              <a:rPr lang="en-US" b="0" i="0" dirty="0">
+                <a:solidFill>
+                  <a:srgbClr val="000000"/>
+                </a:solidFill>
+                <a:effectLst/>
+                <a:highlight>
+                  <a:srgbClr val="FFFFFF"/>
+                </a:highlight>
+                <a:latin typeface="Verdana" panose="020B0604030504040204" pitchFamily="34" charset="0"/>
+              </a:rPr>
+              <a:t>This algorithm is really straight forward.</a:t>
+            </a:r>
+          </a:p>
+          <a:p>
+            <a:pPr algn="l"/>
+            <a:r>
+              <a:rPr lang="en-US" b="0" i="0" dirty="0">
+                <a:solidFill>
+                  <a:srgbClr val="000000"/>
+                </a:solidFill>
+                <a:effectLst/>
+                <a:highlight>
+                  <a:srgbClr val="FFFFFF"/>
+                </a:highlight>
+                <a:latin typeface="Verdana" panose="020B0604030504040204" pitchFamily="34" charset="0"/>
+              </a:rPr>
+              <a:t>Every value is checked from the start of the array to see if the value is equal to 11, the value we are trying to find.</a:t>
+            </a:r>
+          </a:p>
+          <a:p>
+            <a:pPr algn="l"/>
+            <a:r>
+              <a:rPr lang="en-US" b="0" i="0" dirty="0">
+                <a:solidFill>
+                  <a:srgbClr val="000000"/>
+                </a:solidFill>
+                <a:effectLst/>
+                <a:highlight>
+                  <a:srgbClr val="FFFFFF"/>
+                </a:highlight>
+                <a:latin typeface="Verdana" panose="020B0604030504040204" pitchFamily="34" charset="0"/>
+              </a:rPr>
+              <a:t>When the value is found, the searching is stopped, and the index where the value is found is returned.</a:t>
+            </a:r>
+          </a:p>
+          <a:p>
+            <a:pPr algn="l"/>
+            <a:r>
+              <a:rPr lang="en-US" b="0" i="0" dirty="0">
+                <a:solidFill>
+                  <a:srgbClr val="000000"/>
+                </a:solidFill>
+                <a:effectLst/>
+                <a:highlight>
+                  <a:srgbClr val="FFFFFF"/>
+                </a:highlight>
+                <a:latin typeface="Verdana" panose="020B0604030504040204" pitchFamily="34" charset="0"/>
+              </a:rPr>
+              <a:t>If the array is searched through without finding the value, -1 is returned.</a:t>
+            </a:r>
+          </a:p>
+          <a:p>
+            <a:pPr algn="l"/>
+            <a:r>
+              <a:rPr lang="en-US" b="0" i="0" dirty="0">
+                <a:solidFill>
+                  <a:srgbClr val="000000"/>
+                </a:solidFill>
+                <a:effectLst/>
+                <a:highlight>
+                  <a:srgbClr val="FFFFFF"/>
+                </a:highlight>
+                <a:latin typeface="Verdana" panose="020B0604030504040204" pitchFamily="34" charset="0"/>
+              </a:rPr>
+              <a:t>Time complexity: </a:t>
+            </a:r>
+            <a:r>
+              <a:rPr lang="en-US" b="0" i="0" dirty="0">
+                <a:effectLst/>
+                <a:latin typeface="Nunito" pitchFamily="2" charset="0"/>
+              </a:rPr>
+              <a:t>O(N)</a:t>
+            </a:r>
+            <a:endParaRPr lang="en-US" b="0" i="0" dirty="0">
+              <a:effectLst/>
+              <a:latin typeface="Verdana" panose="020B0604030504040204" pitchFamily="34" charset="0"/>
+            </a:endParaRPr>
+          </a:p>
+          <a:p>
+            <a:pPr algn="l"/>
+            <a:r>
+              <a:rPr lang="en-US" b="0" i="0" dirty="0">
+                <a:solidFill>
+                  <a:srgbClr val="000000"/>
+                </a:solidFill>
+                <a:effectLst/>
+                <a:highlight>
+                  <a:srgbClr val="FFFFFF"/>
+                </a:highlight>
+                <a:latin typeface="Verdana" panose="020B0604030504040204" pitchFamily="34" charset="0"/>
+              </a:rPr>
+              <a:t>Auxiliary Space: O(1)</a:t>
+            </a:r>
+          </a:p>
+          <a:p>
+            <a:endParaRPr lang="en-US" dirty="0"/>
+          </a:p>
+        </p:txBody>
+      </p:sp>
+    </p:spTree>
+    <p:extLst>
+      <p:ext uri="{BB962C8B-B14F-4D97-AF65-F5344CB8AC3E}">
+        <p14:creationId xmlns:p14="http://schemas.microsoft.com/office/powerpoint/2010/main" val="669720837"/>
+      </p:ext>
+    </p:extLst>
+  </p:cSld>
+  <p:clrMapOvr>
+    <a:masterClrMapping/>
+  </p:clrMapOvr>
+</p:sld>
+</file>
+
 <file path=ppt/slides/slide2.xml><?xml version="1.0" encoding="utf-8"?>
 <p:sld xmlns:a="http://schemas.openxmlformats.org/drawingml/2006/main" xmlns:r="http://schemas.openxmlformats.org/officeDocument/2006/relationships" xmlns:p="http://schemas.openxmlformats.org/presentationml/2006/main">
   <p:cSld>
@@ -5082,6 +5410,710 @@
     <p:extLst>
       <p:ext uri="{BB962C8B-B14F-4D97-AF65-F5344CB8AC3E}">
         <p14:creationId xmlns:p14="http://schemas.microsoft.com/office/powerpoint/2010/main" val="2477998544"/>
+      </p:ext>
+    </p:extLst>
+  </p:cSld>
+  <p:clrMapOvr>
+    <a:masterClrMapping/>
+  </p:clrMapOvr>
+</p:sld>
+</file>
+
+<file path=ppt/slides/slide20.xml><?xml version="1.0" encoding="utf-8"?>
+<p:sld xmlns:a="http://schemas.openxmlformats.org/drawingml/2006/main" xmlns:r="http://schemas.openxmlformats.org/officeDocument/2006/relationships" xmlns:p="http://schemas.openxmlformats.org/presentationml/2006/main">
+  <p:cSld>
+    <p:spTree>
+      <p:nvGrpSpPr>
+        <p:cNvPr id="1" name=""/>
+        <p:cNvGrpSpPr/>
+        <p:nvPr/>
+      </p:nvGrpSpPr>
+      <p:grpSpPr>
+        <a:xfrm>
+          <a:off x="0" y="0"/>
+          <a:ext cx="0" cy="0"/>
+          <a:chOff x="0" y="0"/>
+          <a:chExt cx="0" cy="0"/>
+        </a:xfrm>
+      </p:grpSpPr>
+      <p:sp>
+        <p:nvSpPr>
+          <p:cNvPr id="5" name="TextBox 4">
+            <a:extLst>
+              <a:ext uri="{FF2B5EF4-FFF2-40B4-BE49-F238E27FC236}">
+                <a16:creationId xmlns:a16="http://schemas.microsoft.com/office/drawing/2014/main" id="{928510D9-6245-0995-7CF3-E9831EF02367}"/>
+              </a:ext>
+            </a:extLst>
+          </p:cNvPr>
+          <p:cNvSpPr txBox="1"/>
+          <p:nvPr/>
+        </p:nvSpPr>
+        <p:spPr>
+          <a:xfrm>
+            <a:off x="1968137" y="2000016"/>
+            <a:ext cx="7733212" cy="2585323"/>
+          </a:xfrm>
+          <a:prstGeom prst="rect">
+            <a:avLst/>
+          </a:prstGeom>
+          <a:noFill/>
+        </p:spPr>
+        <p:txBody>
+          <a:bodyPr wrap="square">
+            <a:spAutoFit/>
+          </a:bodyPr>
+          <a:lstStyle/>
+          <a:p>
+            <a:pPr algn="l" fontAlgn="base"/>
+            <a:r>
+              <a:rPr lang="en-US" b="1" i="0" dirty="0">
+                <a:effectLst/>
+                <a:latin typeface="Nunito" pitchFamily="2" charset="0"/>
+              </a:rPr>
+              <a:t>Advantages of Linear Search:</a:t>
+            </a:r>
+          </a:p>
+          <a:p>
+            <a:pPr algn="l" fontAlgn="base">
+              <a:buFont typeface="Arial" panose="020B0604020202020204" pitchFamily="34" charset="0"/>
+              <a:buChar char="•"/>
+            </a:pPr>
+            <a:r>
+              <a:rPr lang="en-US" b="0" i="0" dirty="0">
+                <a:effectLst/>
+                <a:latin typeface="Nunito" pitchFamily="2" charset="0"/>
+              </a:rPr>
+              <a:t>Linear search can be used irrespective of whether the array is sorted or not. It can be used on arrays of any data type.</a:t>
+            </a:r>
+          </a:p>
+          <a:p>
+            <a:pPr algn="l" fontAlgn="base">
+              <a:buFont typeface="Arial" panose="020B0604020202020204" pitchFamily="34" charset="0"/>
+              <a:buChar char="•"/>
+            </a:pPr>
+            <a:r>
+              <a:rPr lang="en-US" b="0" i="0" dirty="0">
+                <a:effectLst/>
+                <a:latin typeface="Nunito" pitchFamily="2" charset="0"/>
+              </a:rPr>
+              <a:t>Does not require any additional memory.</a:t>
+            </a:r>
+          </a:p>
+          <a:p>
+            <a:pPr algn="l" fontAlgn="base">
+              <a:buFont typeface="Arial" panose="020B0604020202020204" pitchFamily="34" charset="0"/>
+              <a:buChar char="•"/>
+            </a:pPr>
+            <a:r>
+              <a:rPr lang="en-US" b="0" i="0" dirty="0">
+                <a:effectLst/>
+                <a:latin typeface="Nunito" pitchFamily="2" charset="0"/>
+              </a:rPr>
+              <a:t>It is a well-suited algorithm for small datasets.</a:t>
+            </a:r>
+          </a:p>
+          <a:p>
+            <a:pPr algn="l" fontAlgn="base"/>
+            <a:r>
+              <a:rPr lang="en-US" b="1" i="0" dirty="0">
+                <a:effectLst/>
+                <a:latin typeface="Nunito" pitchFamily="2" charset="0"/>
+              </a:rPr>
+              <a:t>Drawbacks of Linear Search:</a:t>
+            </a:r>
+          </a:p>
+          <a:p>
+            <a:pPr algn="l" fontAlgn="base">
+              <a:buFont typeface="Arial" panose="020B0604020202020204" pitchFamily="34" charset="0"/>
+              <a:buChar char="•"/>
+            </a:pPr>
+            <a:r>
+              <a:rPr lang="en-US" b="0" i="0" dirty="0">
+                <a:effectLst/>
+                <a:latin typeface="Nunito" pitchFamily="2" charset="0"/>
+              </a:rPr>
+              <a:t>Linear search has a time complexity of O(N), which in turn makes it slow for large datasets.</a:t>
+            </a:r>
+          </a:p>
+          <a:p>
+            <a:pPr algn="l" fontAlgn="base">
+              <a:buFont typeface="Arial" panose="020B0604020202020204" pitchFamily="34" charset="0"/>
+              <a:buChar char="•"/>
+            </a:pPr>
+            <a:r>
+              <a:rPr lang="en-US" b="0" i="0" dirty="0">
+                <a:effectLst/>
+                <a:latin typeface="Nunito" pitchFamily="2" charset="0"/>
+              </a:rPr>
+              <a:t>Not suitable for large arrays.</a:t>
+            </a:r>
+          </a:p>
+        </p:txBody>
+      </p:sp>
+    </p:spTree>
+    <p:extLst>
+      <p:ext uri="{BB962C8B-B14F-4D97-AF65-F5344CB8AC3E}">
+        <p14:creationId xmlns:p14="http://schemas.microsoft.com/office/powerpoint/2010/main" val="3670802180"/>
+      </p:ext>
+    </p:extLst>
+  </p:cSld>
+  <p:clrMapOvr>
+    <a:masterClrMapping/>
+  </p:clrMapOvr>
+</p:sld>
+</file>
+
+<file path=ppt/slides/slide21.xml><?xml version="1.0" encoding="utf-8"?>
+<p:sld xmlns:a="http://schemas.openxmlformats.org/drawingml/2006/main" xmlns:r="http://schemas.openxmlformats.org/officeDocument/2006/relationships" xmlns:p="http://schemas.openxmlformats.org/presentationml/2006/main">
+  <p:cSld>
+    <p:spTree>
+      <p:nvGrpSpPr>
+        <p:cNvPr id="1" name=""/>
+        <p:cNvGrpSpPr/>
+        <p:nvPr/>
+      </p:nvGrpSpPr>
+      <p:grpSpPr>
+        <a:xfrm>
+          <a:off x="0" y="0"/>
+          <a:ext cx="0" cy="0"/>
+          <a:chOff x="0" y="0"/>
+          <a:chExt cx="0" cy="0"/>
+        </a:xfrm>
+      </p:grpSpPr>
+      <p:pic>
+        <p:nvPicPr>
+          <p:cNvPr id="2050" name="Picture 2" descr="Linear Search Algorithm - Data Structure and Algorithms Tutorials -  GeeksforGeeks">
+            <a:extLst>
+              <a:ext uri="{FF2B5EF4-FFF2-40B4-BE49-F238E27FC236}">
+                <a16:creationId xmlns:a16="http://schemas.microsoft.com/office/drawing/2014/main" id="{FEC6D622-4246-C84F-C684-A7B3F596B45E}"/>
+              </a:ext>
+            </a:extLst>
+          </p:cNvPr>
+          <p:cNvPicPr>
+            <a:picLocks noChangeAspect="1" noChangeArrowheads="1"/>
+          </p:cNvPicPr>
+          <p:nvPr/>
+        </p:nvPicPr>
+        <p:blipFill>
+          <a:blip r:embed="rId2">
+            <a:extLst>
+              <a:ext uri="{28A0092B-C50C-407E-A947-70E740481C1C}">
+                <a14:useLocalDpi xmlns:a14="http://schemas.microsoft.com/office/drawing/2010/main" val="0"/>
+              </a:ext>
+            </a:extLst>
+          </a:blip>
+          <a:srcRect/>
+          <a:stretch>
+            <a:fillRect/>
+          </a:stretch>
+        </p:blipFill>
+        <p:spPr bwMode="auto">
+          <a:xfrm>
+            <a:off x="587829" y="1925138"/>
+            <a:ext cx="5229497" cy="2781300"/>
+          </a:xfrm>
+          <a:prstGeom prst="rect">
+            <a:avLst/>
+          </a:prstGeom>
+          <a:noFill/>
+          <a:extLst>
+            <a:ext uri="{909E8E84-426E-40DD-AFC4-6F175D3DCCD1}">
+              <a14:hiddenFill xmlns:a14="http://schemas.microsoft.com/office/drawing/2010/main">
+                <a:solidFill>
+                  <a:srgbClr val="FFFFFF"/>
+                </a:solidFill>
+              </a14:hiddenFill>
+            </a:ext>
+          </a:extLst>
+        </p:spPr>
+      </p:pic>
+      <p:pic>
+        <p:nvPicPr>
+          <p:cNvPr id="5" name="Picture 4">
+            <a:extLst>
+              <a:ext uri="{FF2B5EF4-FFF2-40B4-BE49-F238E27FC236}">
+                <a16:creationId xmlns:a16="http://schemas.microsoft.com/office/drawing/2014/main" id="{6EE16570-0437-A9DF-748A-6E715389532A}"/>
+              </a:ext>
+            </a:extLst>
+          </p:cNvPr>
+          <p:cNvPicPr>
+            <a:picLocks noChangeAspect="1"/>
+          </p:cNvPicPr>
+          <p:nvPr/>
+        </p:nvPicPr>
+        <p:blipFill>
+          <a:blip r:embed="rId3"/>
+          <a:stretch>
+            <a:fillRect/>
+          </a:stretch>
+        </p:blipFill>
+        <p:spPr>
+          <a:xfrm>
+            <a:off x="6794267" y="1666629"/>
+            <a:ext cx="4629796" cy="3524742"/>
+          </a:xfrm>
+          <a:prstGeom prst="rect">
+            <a:avLst/>
+          </a:prstGeom>
+        </p:spPr>
+      </p:pic>
+    </p:spTree>
+    <p:extLst>
+      <p:ext uri="{BB962C8B-B14F-4D97-AF65-F5344CB8AC3E}">
+        <p14:creationId xmlns:p14="http://schemas.microsoft.com/office/powerpoint/2010/main" val="726092751"/>
+      </p:ext>
+    </p:extLst>
+  </p:cSld>
+  <p:clrMapOvr>
+    <a:masterClrMapping/>
+  </p:clrMapOvr>
+</p:sld>
+</file>
+
+<file path=ppt/slides/slide22.xml><?xml version="1.0" encoding="utf-8"?>
+<p:sld xmlns:a="http://schemas.openxmlformats.org/drawingml/2006/main" xmlns:r="http://schemas.openxmlformats.org/officeDocument/2006/relationships" xmlns:p="http://schemas.openxmlformats.org/presentationml/2006/main">
+  <p:cSld>
+    <p:spTree>
+      <p:nvGrpSpPr>
+        <p:cNvPr id="1" name=""/>
+        <p:cNvGrpSpPr/>
+        <p:nvPr/>
+      </p:nvGrpSpPr>
+      <p:grpSpPr>
+        <a:xfrm>
+          <a:off x="0" y="0"/>
+          <a:ext cx="0" cy="0"/>
+          <a:chOff x="0" y="0"/>
+          <a:chExt cx="0" cy="0"/>
+        </a:xfrm>
+      </p:grpSpPr>
+      <p:sp>
+        <p:nvSpPr>
+          <p:cNvPr id="2" name="Title 1">
+            <a:extLst>
+              <a:ext uri="{FF2B5EF4-FFF2-40B4-BE49-F238E27FC236}">
+                <a16:creationId xmlns:a16="http://schemas.microsoft.com/office/drawing/2014/main" id="{56F811E5-100B-D9BD-BE40-0192E2CA281F}"/>
+              </a:ext>
+            </a:extLst>
+          </p:cNvPr>
+          <p:cNvSpPr>
+            <a:spLocks noGrp="1"/>
+          </p:cNvSpPr>
+          <p:nvPr>
+            <p:ph type="title"/>
+          </p:nvPr>
+        </p:nvSpPr>
+        <p:spPr/>
+        <p:txBody>
+          <a:bodyPr/>
+          <a:lstStyle/>
+          <a:p>
+            <a:r>
+              <a:rPr lang="en-US" dirty="0"/>
+              <a:t>Binary Search</a:t>
+            </a:r>
+          </a:p>
+        </p:txBody>
+      </p:sp>
+      <p:sp>
+        <p:nvSpPr>
+          <p:cNvPr id="3" name="Content Placeholder 2">
+            <a:extLst>
+              <a:ext uri="{FF2B5EF4-FFF2-40B4-BE49-F238E27FC236}">
+                <a16:creationId xmlns:a16="http://schemas.microsoft.com/office/drawing/2014/main" id="{03DAD34C-E81A-D423-5741-6AE62F2B473B}"/>
+              </a:ext>
+            </a:extLst>
+          </p:cNvPr>
+          <p:cNvSpPr>
+            <a:spLocks noGrp="1"/>
+          </p:cNvSpPr>
+          <p:nvPr>
+            <p:ph idx="1"/>
+          </p:nvPr>
+        </p:nvSpPr>
+        <p:spPr/>
+        <p:txBody>
+          <a:bodyPr>
+            <a:normAutofit fontScale="92500" lnSpcReduction="20000"/>
+          </a:bodyPr>
+          <a:lstStyle/>
+          <a:p>
+            <a:pPr algn="l" fontAlgn="base">
+              <a:buFont typeface="Arial" panose="020B0604020202020204" pitchFamily="34" charset="0"/>
+              <a:buChar char="•"/>
+            </a:pPr>
+            <a:r>
+              <a:rPr lang="en-US" b="0" i="1" dirty="0">
+                <a:effectLst/>
+                <a:latin typeface="Nunito" pitchFamily="2" charset="0"/>
+              </a:rPr>
+              <a:t>Compare the middle element of the search space with the key. </a:t>
+            </a:r>
+          </a:p>
+          <a:p>
+            <a:pPr algn="l" fontAlgn="base">
+              <a:buFont typeface="Arial" panose="020B0604020202020204" pitchFamily="34" charset="0"/>
+              <a:buChar char="•"/>
+            </a:pPr>
+            <a:r>
+              <a:rPr lang="en-US" b="0" i="1" dirty="0">
+                <a:effectLst/>
+                <a:latin typeface="Nunito" pitchFamily="2" charset="0"/>
+              </a:rPr>
+              <a:t>If the key is found at middle element, the process is terminated.</a:t>
+            </a:r>
+          </a:p>
+          <a:p>
+            <a:pPr algn="l" fontAlgn="base">
+              <a:buFont typeface="Arial" panose="020B0604020202020204" pitchFamily="34" charset="0"/>
+              <a:buChar char="•"/>
+            </a:pPr>
+            <a:r>
+              <a:rPr lang="en-US" b="0" i="1" dirty="0">
+                <a:effectLst/>
+                <a:latin typeface="Nunito" pitchFamily="2" charset="0"/>
+              </a:rPr>
+              <a:t>If the key is not found at middle element, choose which half will be used as the next search space.</a:t>
+            </a:r>
+          </a:p>
+          <a:p>
+            <a:pPr marL="742950" lvl="1" indent="-285750" algn="l" fontAlgn="base">
+              <a:buFont typeface="Arial" panose="020B0604020202020204" pitchFamily="34" charset="0"/>
+              <a:buChar char="•"/>
+            </a:pPr>
+            <a:r>
+              <a:rPr lang="en-US" b="0" i="1" dirty="0">
+                <a:effectLst/>
+                <a:latin typeface="Nunito" pitchFamily="2" charset="0"/>
+              </a:rPr>
+              <a:t>If the key is smaller than the middle element, then the left side is used for next search.</a:t>
+            </a:r>
+          </a:p>
+          <a:p>
+            <a:pPr marL="742950" lvl="1" indent="-285750" algn="l" fontAlgn="base">
+              <a:buFont typeface="Arial" panose="020B0604020202020204" pitchFamily="34" charset="0"/>
+              <a:buChar char="•"/>
+            </a:pPr>
+            <a:r>
+              <a:rPr lang="en-US" b="0" i="1" dirty="0">
+                <a:effectLst/>
+                <a:latin typeface="Nunito" pitchFamily="2" charset="0"/>
+              </a:rPr>
+              <a:t>If the key is larger than the middle element, then the right side is used for next search.</a:t>
+            </a:r>
+          </a:p>
+          <a:p>
+            <a:pPr algn="l" fontAlgn="base">
+              <a:buFont typeface="Arial" panose="020B0604020202020204" pitchFamily="34" charset="0"/>
+              <a:buChar char="•"/>
+            </a:pPr>
+            <a:r>
+              <a:rPr lang="en-US" b="0" i="1" dirty="0">
+                <a:effectLst/>
+                <a:latin typeface="Nunito" pitchFamily="2" charset="0"/>
+              </a:rPr>
+              <a:t>This process is continued until the key is found or the total search space is exhausted.</a:t>
+            </a:r>
+          </a:p>
+          <a:p>
+            <a:pPr algn="l" fontAlgn="base">
+              <a:buFont typeface="Arial" panose="020B0604020202020204" pitchFamily="34" charset="0"/>
+              <a:buChar char="•"/>
+            </a:pPr>
+            <a:r>
+              <a:rPr lang="en-US" b="0" i="1" dirty="0">
+                <a:effectLst/>
+                <a:latin typeface="Nunito" pitchFamily="2" charset="0"/>
+              </a:rPr>
+              <a:t>Time complexity: O(log N)</a:t>
+            </a:r>
+          </a:p>
+          <a:p>
+            <a:pPr algn="l" fontAlgn="base">
+              <a:buFont typeface="Arial" panose="020B0604020202020204" pitchFamily="34" charset="0"/>
+              <a:buChar char="•"/>
+            </a:pPr>
+            <a:r>
+              <a:rPr lang="en-US" b="0" i="1" dirty="0">
+                <a:effectLst/>
+                <a:latin typeface="Nunito" pitchFamily="2" charset="0"/>
+              </a:rPr>
+              <a:t>Auxiliary Space: O(1)</a:t>
+            </a:r>
+          </a:p>
+          <a:p>
+            <a:endParaRPr lang="en-US" dirty="0"/>
+          </a:p>
+        </p:txBody>
+      </p:sp>
+    </p:spTree>
+    <p:extLst>
+      <p:ext uri="{BB962C8B-B14F-4D97-AF65-F5344CB8AC3E}">
+        <p14:creationId xmlns:p14="http://schemas.microsoft.com/office/powerpoint/2010/main" val="4235852767"/>
+      </p:ext>
+    </p:extLst>
+  </p:cSld>
+  <p:clrMapOvr>
+    <a:masterClrMapping/>
+  </p:clrMapOvr>
+</p:sld>
+</file>
+
+<file path=ppt/slides/slide23.xml><?xml version="1.0" encoding="utf-8"?>
+<p:sld xmlns:a="http://schemas.openxmlformats.org/drawingml/2006/main" xmlns:r="http://schemas.openxmlformats.org/officeDocument/2006/relationships" xmlns:p="http://schemas.openxmlformats.org/presentationml/2006/main">
+  <p:cSld>
+    <p:spTree>
+      <p:nvGrpSpPr>
+        <p:cNvPr id="1" name=""/>
+        <p:cNvGrpSpPr/>
+        <p:nvPr/>
+      </p:nvGrpSpPr>
+      <p:grpSpPr>
+        <a:xfrm>
+          <a:off x="0" y="0"/>
+          <a:ext cx="0" cy="0"/>
+          <a:chOff x="0" y="0"/>
+          <a:chExt cx="0" cy="0"/>
+        </a:xfrm>
+      </p:grpSpPr>
+      <p:sp>
+        <p:nvSpPr>
+          <p:cNvPr id="5" name="TextBox 4">
+            <a:extLst>
+              <a:ext uri="{FF2B5EF4-FFF2-40B4-BE49-F238E27FC236}">
+                <a16:creationId xmlns:a16="http://schemas.microsoft.com/office/drawing/2014/main" id="{184D4024-70C2-0E0F-8080-1680F184D529}"/>
+              </a:ext>
+            </a:extLst>
+          </p:cNvPr>
+          <p:cNvSpPr txBox="1"/>
+          <p:nvPr/>
+        </p:nvSpPr>
+        <p:spPr>
+          <a:xfrm>
+            <a:off x="1323703" y="1743786"/>
+            <a:ext cx="8682446" cy="3139321"/>
+          </a:xfrm>
+          <a:prstGeom prst="rect">
+            <a:avLst/>
+          </a:prstGeom>
+          <a:noFill/>
+        </p:spPr>
+        <p:txBody>
+          <a:bodyPr wrap="square">
+            <a:spAutoFit/>
+          </a:bodyPr>
+          <a:lstStyle/>
+          <a:p>
+            <a:pPr algn="l" fontAlgn="base"/>
+            <a:r>
+              <a:rPr lang="en-US" b="1" i="0" dirty="0">
+                <a:effectLst/>
+                <a:latin typeface="Nunito" pitchFamily="2" charset="0"/>
+              </a:rPr>
+              <a:t>Advantages of Binary Search:</a:t>
+            </a:r>
+          </a:p>
+          <a:p>
+            <a:pPr algn="l" fontAlgn="base">
+              <a:buFont typeface="Arial" panose="020B0604020202020204" pitchFamily="34" charset="0"/>
+              <a:buChar char="•"/>
+            </a:pPr>
+            <a:r>
+              <a:rPr lang="en-US" b="0" i="0" dirty="0">
+                <a:effectLst/>
+                <a:latin typeface="Nunito" pitchFamily="2" charset="0"/>
+              </a:rPr>
+              <a:t>Binary search is faster than linear search, especially for large arrays.</a:t>
+            </a:r>
+          </a:p>
+          <a:p>
+            <a:pPr algn="l" fontAlgn="base">
+              <a:buFont typeface="Arial" panose="020B0604020202020204" pitchFamily="34" charset="0"/>
+              <a:buChar char="•"/>
+            </a:pPr>
+            <a:r>
+              <a:rPr lang="en-US" b="0" i="0" dirty="0">
+                <a:effectLst/>
+                <a:latin typeface="Nunito" pitchFamily="2" charset="0"/>
+              </a:rPr>
+              <a:t>More efficient than other searching algorithms with a similar time complexity.</a:t>
+            </a:r>
+          </a:p>
+          <a:p>
+            <a:pPr algn="l" fontAlgn="base">
+              <a:buFont typeface="Arial" panose="020B0604020202020204" pitchFamily="34" charset="0"/>
+              <a:buChar char="•"/>
+            </a:pPr>
+            <a:r>
+              <a:rPr lang="en-US" b="0" i="0" dirty="0">
+                <a:effectLst/>
+                <a:latin typeface="Nunito" pitchFamily="2" charset="0"/>
+              </a:rPr>
+              <a:t>Binary search is well-suited for searching large datasets that are stored in external memory, such as on a hard drive or in the cloud.</a:t>
+            </a:r>
+          </a:p>
+          <a:p>
+            <a:pPr algn="l" fontAlgn="base"/>
+            <a:r>
+              <a:rPr lang="en-US" b="1" i="0" dirty="0">
+                <a:effectLst/>
+                <a:latin typeface="Nunito" pitchFamily="2" charset="0"/>
+              </a:rPr>
+              <a:t>Drawbacks of Binary Search:</a:t>
+            </a:r>
+          </a:p>
+          <a:p>
+            <a:pPr algn="l" fontAlgn="base">
+              <a:buFont typeface="Arial" panose="020B0604020202020204" pitchFamily="34" charset="0"/>
+              <a:buChar char="•"/>
+            </a:pPr>
+            <a:r>
+              <a:rPr lang="en-US" b="0" i="0" dirty="0">
+                <a:effectLst/>
+                <a:latin typeface="Nunito" pitchFamily="2" charset="0"/>
+              </a:rPr>
+              <a:t>The array should be sorted.</a:t>
+            </a:r>
+          </a:p>
+          <a:p>
+            <a:pPr algn="l" fontAlgn="base">
+              <a:buFont typeface="Arial" panose="020B0604020202020204" pitchFamily="34" charset="0"/>
+              <a:buChar char="•"/>
+            </a:pPr>
+            <a:r>
+              <a:rPr lang="en-US" b="0" i="0" dirty="0">
+                <a:effectLst/>
+                <a:latin typeface="Nunito" pitchFamily="2" charset="0"/>
+              </a:rPr>
+              <a:t>Binary search requires that the data structure being searched be stored in contiguous memory locations. </a:t>
+            </a:r>
+          </a:p>
+          <a:p>
+            <a:pPr algn="l" fontAlgn="base">
+              <a:buFont typeface="Arial" panose="020B0604020202020204" pitchFamily="34" charset="0"/>
+              <a:buChar char="•"/>
+            </a:pPr>
+            <a:r>
+              <a:rPr lang="en-US" b="0" i="0" dirty="0">
+                <a:effectLst/>
+                <a:latin typeface="Nunito" pitchFamily="2" charset="0"/>
+              </a:rPr>
+              <a:t>Binary search requires that the elements of the array be comparable, meaning that they must be able to be ordered.</a:t>
+            </a:r>
+          </a:p>
+        </p:txBody>
+      </p:sp>
+    </p:spTree>
+    <p:extLst>
+      <p:ext uri="{BB962C8B-B14F-4D97-AF65-F5344CB8AC3E}">
+        <p14:creationId xmlns:p14="http://schemas.microsoft.com/office/powerpoint/2010/main" val="1039186089"/>
+      </p:ext>
+    </p:extLst>
+  </p:cSld>
+  <p:clrMapOvr>
+    <a:masterClrMapping/>
+  </p:clrMapOvr>
+</p:sld>
+</file>
+
+<file path=ppt/slides/slide24.xml><?xml version="1.0" encoding="utf-8"?>
+<p:sld xmlns:a="http://schemas.openxmlformats.org/drawingml/2006/main" xmlns:r="http://schemas.openxmlformats.org/officeDocument/2006/relationships" xmlns:p="http://schemas.openxmlformats.org/presentationml/2006/main">
+  <p:cSld>
+    <p:spTree>
+      <p:nvGrpSpPr>
+        <p:cNvPr id="1" name=""/>
+        <p:cNvGrpSpPr/>
+        <p:nvPr/>
+      </p:nvGrpSpPr>
+      <p:grpSpPr>
+        <a:xfrm>
+          <a:off x="0" y="0"/>
+          <a:ext cx="0" cy="0"/>
+          <a:chOff x="0" y="0"/>
+          <a:chExt cx="0" cy="0"/>
+        </a:xfrm>
+      </p:grpSpPr>
+      <p:pic>
+        <p:nvPicPr>
+          <p:cNvPr id="3074" name="Picture 2" descr="Binary Search - Data Structure and Algorithm Tutorials - GeeksforGeeks">
+            <a:extLst>
+              <a:ext uri="{FF2B5EF4-FFF2-40B4-BE49-F238E27FC236}">
+                <a16:creationId xmlns:a16="http://schemas.microsoft.com/office/drawing/2014/main" id="{3CBDBA8D-62B9-DB39-7834-9B08BEA3EE1E}"/>
+              </a:ext>
+            </a:extLst>
+          </p:cNvPr>
+          <p:cNvPicPr>
+            <a:picLocks noChangeAspect="1" noChangeArrowheads="1"/>
+          </p:cNvPicPr>
+          <p:nvPr/>
+        </p:nvPicPr>
+        <p:blipFill>
+          <a:blip r:embed="rId2">
+            <a:extLst>
+              <a:ext uri="{28A0092B-C50C-407E-A947-70E740481C1C}">
+                <a14:useLocalDpi xmlns:a14="http://schemas.microsoft.com/office/drawing/2010/main" val="0"/>
+              </a:ext>
+            </a:extLst>
+          </a:blip>
+          <a:srcRect/>
+          <a:stretch>
+            <a:fillRect/>
+          </a:stretch>
+        </p:blipFill>
+        <p:spPr bwMode="auto">
+          <a:xfrm>
+            <a:off x="655320" y="2142104"/>
+            <a:ext cx="4987835" cy="2800214"/>
+          </a:xfrm>
+          <a:prstGeom prst="rect">
+            <a:avLst/>
+          </a:prstGeom>
+          <a:noFill/>
+          <a:extLst>
+            <a:ext uri="{909E8E84-426E-40DD-AFC4-6F175D3DCCD1}">
+              <a14:hiddenFill xmlns:a14="http://schemas.microsoft.com/office/drawing/2010/main">
+                <a:solidFill>
+                  <a:srgbClr val="FFFFFF"/>
+                </a:solidFill>
+              </a14:hiddenFill>
+            </a:ext>
+          </a:extLst>
+        </p:spPr>
+      </p:pic>
+      <p:pic>
+        <p:nvPicPr>
+          <p:cNvPr id="5" name="Picture 4">
+            <a:extLst>
+              <a:ext uri="{FF2B5EF4-FFF2-40B4-BE49-F238E27FC236}">
+                <a16:creationId xmlns:a16="http://schemas.microsoft.com/office/drawing/2014/main" id="{69BBF17A-5DA4-6BD7-20A9-41230773997B}"/>
+              </a:ext>
+            </a:extLst>
+          </p:cNvPr>
+          <p:cNvPicPr>
+            <a:picLocks noChangeAspect="1"/>
+          </p:cNvPicPr>
+          <p:nvPr/>
+        </p:nvPicPr>
+        <p:blipFill>
+          <a:blip r:embed="rId3"/>
+          <a:stretch>
+            <a:fillRect/>
+          </a:stretch>
+        </p:blipFill>
+        <p:spPr>
+          <a:xfrm>
+            <a:off x="6525831" y="490127"/>
+            <a:ext cx="5010849" cy="5877745"/>
+          </a:xfrm>
+          <a:prstGeom prst="rect">
+            <a:avLst/>
+          </a:prstGeom>
+        </p:spPr>
+      </p:pic>
+    </p:spTree>
+    <p:extLst>
+      <p:ext uri="{BB962C8B-B14F-4D97-AF65-F5344CB8AC3E}">
+        <p14:creationId xmlns:p14="http://schemas.microsoft.com/office/powerpoint/2010/main" val="3940154742"/>
       </p:ext>
     </p:extLst>
   </p:cSld>

--- a/sorting.pptx
+++ b/sorting.pptx
@@ -5,7 +5,7 @@
     <p:sldMasterId id="2147483648" r:id="rId1"/>
   </p:sldMasterIdLst>
   <p:notesMasterIdLst>
-    <p:notesMasterId r:id="rId26"/>
+    <p:notesMasterId r:id="rId27"/>
   </p:notesMasterIdLst>
   <p:sldIdLst>
     <p:sldId id="256" r:id="rId2"/>
@@ -23,15 +23,16 @@
     <p:sldId id="268" r:id="rId14"/>
     <p:sldId id="269" r:id="rId15"/>
     <p:sldId id="270" r:id="rId16"/>
-    <p:sldId id="271" r:id="rId17"/>
-    <p:sldId id="272" r:id="rId18"/>
-    <p:sldId id="273" r:id="rId19"/>
-    <p:sldId id="274" r:id="rId20"/>
-    <p:sldId id="275" r:id="rId21"/>
-    <p:sldId id="276" r:id="rId22"/>
-    <p:sldId id="277" r:id="rId23"/>
-    <p:sldId id="278" r:id="rId24"/>
-    <p:sldId id="279" r:id="rId25"/>
+    <p:sldId id="280" r:id="rId17"/>
+    <p:sldId id="271" r:id="rId18"/>
+    <p:sldId id="272" r:id="rId19"/>
+    <p:sldId id="273" r:id="rId20"/>
+    <p:sldId id="274" r:id="rId21"/>
+    <p:sldId id="275" r:id="rId22"/>
+    <p:sldId id="276" r:id="rId23"/>
+    <p:sldId id="277" r:id="rId24"/>
+    <p:sldId id="278" r:id="rId25"/>
+    <p:sldId id="279" r:id="rId26"/>
   </p:sldIdLst>
   <p:sldSz cx="12192000" cy="6858000"/>
   <p:notesSz cx="6858000" cy="9144000"/>
@@ -220,7 +221,7 @@
           <a:p>
             <a:fld id="{B2137A3F-9D60-4DD6-A24C-B3649629A203}" type="datetimeFigureOut">
               <a:rPr lang="en-US" smtClean="0"/>
-              <a:t>4/22/2024</a:t>
+              <a:t>4/28/2024</a:t>
             </a:fld>
             <a:endParaRPr lang="en-US"/>
           </a:p>
@@ -718,7 +719,7 @@
           <a:p>
             <a:fld id="{6670F559-D889-4546-BFE4-A04D13463207}" type="datetimeFigureOut">
               <a:rPr lang="en-US" smtClean="0"/>
-              <a:t>4/22/2024</a:t>
+              <a:t>4/28/2024</a:t>
             </a:fld>
             <a:endParaRPr lang="en-US"/>
           </a:p>
@@ -916,7 +917,7 @@
           <a:p>
             <a:fld id="{6670F559-D889-4546-BFE4-A04D13463207}" type="datetimeFigureOut">
               <a:rPr lang="en-US" smtClean="0"/>
-              <a:t>4/22/2024</a:t>
+              <a:t>4/28/2024</a:t>
             </a:fld>
             <a:endParaRPr lang="en-US"/>
           </a:p>
@@ -1124,7 +1125,7 @@
           <a:p>
             <a:fld id="{6670F559-D889-4546-BFE4-A04D13463207}" type="datetimeFigureOut">
               <a:rPr lang="en-US" smtClean="0"/>
-              <a:t>4/22/2024</a:t>
+              <a:t>4/28/2024</a:t>
             </a:fld>
             <a:endParaRPr lang="en-US"/>
           </a:p>
@@ -1322,7 +1323,7 @@
           <a:p>
             <a:fld id="{6670F559-D889-4546-BFE4-A04D13463207}" type="datetimeFigureOut">
               <a:rPr lang="en-US" smtClean="0"/>
-              <a:t>4/22/2024</a:t>
+              <a:t>4/28/2024</a:t>
             </a:fld>
             <a:endParaRPr lang="en-US"/>
           </a:p>
@@ -1597,7 +1598,7 @@
           <a:p>
             <a:fld id="{6670F559-D889-4546-BFE4-A04D13463207}" type="datetimeFigureOut">
               <a:rPr lang="en-US" smtClean="0"/>
-              <a:t>4/22/2024</a:t>
+              <a:t>4/28/2024</a:t>
             </a:fld>
             <a:endParaRPr lang="en-US"/>
           </a:p>
@@ -1862,7 +1863,7 @@
           <a:p>
             <a:fld id="{6670F559-D889-4546-BFE4-A04D13463207}" type="datetimeFigureOut">
               <a:rPr lang="en-US" smtClean="0"/>
-              <a:t>4/22/2024</a:t>
+              <a:t>4/28/2024</a:t>
             </a:fld>
             <a:endParaRPr lang="en-US"/>
           </a:p>
@@ -2274,7 +2275,7 @@
           <a:p>
             <a:fld id="{6670F559-D889-4546-BFE4-A04D13463207}" type="datetimeFigureOut">
               <a:rPr lang="en-US" smtClean="0"/>
-              <a:t>4/22/2024</a:t>
+              <a:t>4/28/2024</a:t>
             </a:fld>
             <a:endParaRPr lang="en-US"/>
           </a:p>
@@ -2415,7 +2416,7 @@
           <a:p>
             <a:fld id="{6670F559-D889-4546-BFE4-A04D13463207}" type="datetimeFigureOut">
               <a:rPr lang="en-US" smtClean="0"/>
-              <a:t>4/22/2024</a:t>
+              <a:t>4/28/2024</a:t>
             </a:fld>
             <a:endParaRPr lang="en-US"/>
           </a:p>
@@ -2528,7 +2529,7 @@
           <a:p>
             <a:fld id="{6670F559-D889-4546-BFE4-A04D13463207}" type="datetimeFigureOut">
               <a:rPr lang="en-US" smtClean="0"/>
-              <a:t>4/22/2024</a:t>
+              <a:t>4/28/2024</a:t>
             </a:fld>
             <a:endParaRPr lang="en-US"/>
           </a:p>
@@ -2839,7 +2840,7 @@
           <a:p>
             <a:fld id="{6670F559-D889-4546-BFE4-A04D13463207}" type="datetimeFigureOut">
               <a:rPr lang="en-US" smtClean="0"/>
-              <a:t>4/22/2024</a:t>
+              <a:t>4/28/2024</a:t>
             </a:fld>
             <a:endParaRPr lang="en-US"/>
           </a:p>
@@ -3127,7 +3128,7 @@
           <a:p>
             <a:fld id="{6670F559-D889-4546-BFE4-A04D13463207}" type="datetimeFigureOut">
               <a:rPr lang="en-US" smtClean="0"/>
-              <a:t>4/22/2024</a:t>
+              <a:t>4/28/2024</a:t>
             </a:fld>
             <a:endParaRPr lang="en-US"/>
           </a:p>
@@ -3368,7 +3369,7 @@
           <a:p>
             <a:fld id="{6670F559-D889-4546-BFE4-A04D13463207}" type="datetimeFigureOut">
               <a:rPr lang="en-US" smtClean="0"/>
-              <a:t>4/22/2024</a:t>
+              <a:t>4/28/2024</a:t>
             </a:fld>
             <a:endParaRPr lang="en-US"/>
           </a:p>
@@ -4199,10 +4200,10 @@
       </p:pic>
       <p:pic>
         <p:nvPicPr>
-          <p:cNvPr id="5" name="Picture 4">
-            <a:extLst>
-              <a:ext uri="{FF2B5EF4-FFF2-40B4-BE49-F238E27FC236}">
-                <a16:creationId xmlns:a16="http://schemas.microsoft.com/office/drawing/2014/main" id="{8C1C4F05-F4BC-2671-5DBC-880653562CF5}"/>
+          <p:cNvPr id="6" name="Picture 5">
+            <a:extLst>
+              <a:ext uri="{FF2B5EF4-FFF2-40B4-BE49-F238E27FC236}">
+                <a16:creationId xmlns:a16="http://schemas.microsoft.com/office/drawing/2014/main" id="{8C7AA7D7-C64E-0F7D-541F-CC90DBEB7D0D}"/>
               </a:ext>
             </a:extLst>
           </p:cNvPr>
@@ -4219,8 +4220,8 @@
         </p:blipFill>
         <p:spPr>
           <a:xfrm>
-            <a:off x="6496597" y="949234"/>
-            <a:ext cx="4267197" cy="4650377"/>
+            <a:off x="5983080" y="1358537"/>
+            <a:ext cx="5572903" cy="4101737"/>
           </a:xfrm>
           <a:prstGeom prst="rect">
             <a:avLst/>
@@ -4654,10 +4655,10 @@
       </p:pic>
       <p:pic>
         <p:nvPicPr>
-          <p:cNvPr id="5" name="Picture 4">
-            <a:extLst>
-              <a:ext uri="{FF2B5EF4-FFF2-40B4-BE49-F238E27FC236}">
-                <a16:creationId xmlns:a16="http://schemas.microsoft.com/office/drawing/2014/main" id="{75027407-B610-5720-F05D-B917B444D07F}"/>
+          <p:cNvPr id="3" name="Picture 2">
+            <a:extLst>
+              <a:ext uri="{FF2B5EF4-FFF2-40B4-BE49-F238E27FC236}">
+                <a16:creationId xmlns:a16="http://schemas.microsoft.com/office/drawing/2014/main" id="{643ABE12-15F4-2CF7-6CF1-AE64D0F1FDE0}"/>
               </a:ext>
             </a:extLst>
           </p:cNvPr>
@@ -4674,8 +4675,8 @@
         </p:blipFill>
         <p:spPr>
           <a:xfrm>
-            <a:off x="6752013" y="339634"/>
-            <a:ext cx="4836226" cy="6178730"/>
+            <a:off x="7253273" y="1292478"/>
+            <a:ext cx="4494590" cy="4273041"/>
           </a:xfrm>
           <a:prstGeom prst="rect">
             <a:avLst/>
@@ -4712,103 +4713,130 @@
           <a:chExt cx="0" cy="0"/>
         </a:xfrm>
       </p:grpSpPr>
-      <p:sp>
-        <p:nvSpPr>
-          <p:cNvPr id="2" name="Title 1">
-            <a:extLst>
-              <a:ext uri="{FF2B5EF4-FFF2-40B4-BE49-F238E27FC236}">
-                <a16:creationId xmlns:a16="http://schemas.microsoft.com/office/drawing/2014/main" id="{1A3E8318-C4D0-3B00-F7F1-EFAACA408EE7}"/>
-              </a:ext>
-            </a:extLst>
-          </p:cNvPr>
-          <p:cNvSpPr>
-            <a:spLocks noGrp="1"/>
-          </p:cNvSpPr>
-          <p:nvPr>
-            <p:ph type="title"/>
-          </p:nvPr>
-        </p:nvSpPr>
-        <p:spPr/>
-        <p:txBody>
-          <a:bodyPr/>
-          <a:lstStyle/>
-          <a:p>
-            <a:r>
-              <a:rPr lang="en-US" dirty="0"/>
-              <a:t>Quick Sort</a:t>
-            </a:r>
-          </a:p>
-        </p:txBody>
-      </p:sp>
-      <p:sp>
-        <p:nvSpPr>
-          <p:cNvPr id="3" name="Content Placeholder 2">
-            <a:extLst>
-              <a:ext uri="{FF2B5EF4-FFF2-40B4-BE49-F238E27FC236}">
-                <a16:creationId xmlns:a16="http://schemas.microsoft.com/office/drawing/2014/main" id="{A3F71CD0-B37B-637C-AE99-7F1F4B5B8DA4}"/>
-              </a:ext>
-            </a:extLst>
-          </p:cNvPr>
-          <p:cNvSpPr>
-            <a:spLocks noGrp="1"/>
-          </p:cNvSpPr>
-          <p:nvPr>
-            <p:ph idx="1"/>
-          </p:nvPr>
-        </p:nvSpPr>
-        <p:spPr/>
-        <p:txBody>
-          <a:bodyPr/>
-          <a:lstStyle/>
-          <a:p>
-            <a:r>
-              <a:rPr lang="en-US" dirty="0"/>
-              <a:t>It is based on divide-and-conquer</a:t>
-            </a:r>
-          </a:p>
-          <a:p>
-            <a:r>
-              <a:rPr lang="en-US" dirty="0"/>
-              <a:t>It works as follows:</a:t>
-            </a:r>
-          </a:p>
-          <a:p>
-            <a:pPr lvl="1"/>
-            <a:r>
-              <a:rPr lang="en-US" dirty="0"/>
-              <a:t>First  it partitions an array into two parts</a:t>
-            </a:r>
-          </a:p>
-          <a:p>
-            <a:pPr lvl="1"/>
-            <a:r>
-              <a:rPr lang="en-US" dirty="0"/>
-              <a:t>Then it sorts the parts independently</a:t>
-            </a:r>
-          </a:p>
-          <a:p>
-            <a:pPr lvl="1"/>
-            <a:r>
-              <a:rPr lang="en-US" dirty="0"/>
-              <a:t>Finally it combines the sorted subsequences by a simple concatenation</a:t>
-            </a:r>
-          </a:p>
-          <a:p>
-            <a:pPr marL="457200" lvl="1" indent="0">
-              <a:buNone/>
-            </a:pPr>
-            <a:endParaRPr lang="en-US" dirty="0"/>
-          </a:p>
-          <a:p>
-            <a:pPr lvl="1"/>
-            <a:endParaRPr lang="en-US" dirty="0"/>
-          </a:p>
-        </p:txBody>
-      </p:sp>
+      <p:pic>
+        <p:nvPicPr>
+          <p:cNvPr id="5" name="Picture 4">
+            <a:extLst>
+              <a:ext uri="{FF2B5EF4-FFF2-40B4-BE49-F238E27FC236}">
+                <a16:creationId xmlns:a16="http://schemas.microsoft.com/office/drawing/2014/main" id="{3A89D399-920D-0FD3-8F9C-0F707CAA1EFD}"/>
+              </a:ext>
+            </a:extLst>
+          </p:cNvPr>
+          <p:cNvPicPr>
+            <a:picLocks noChangeAspect="1"/>
+          </p:cNvPicPr>
+          <p:nvPr/>
+        </p:nvPicPr>
+        <p:blipFill>
+          <a:blip r:embed="rId2"/>
+          <a:stretch>
+            <a:fillRect/>
+          </a:stretch>
+        </p:blipFill>
+        <p:spPr>
+          <a:xfrm>
+            <a:off x="437360" y="99587"/>
+            <a:ext cx="5393072" cy="1838988"/>
+          </a:xfrm>
+          <a:prstGeom prst="rect">
+            <a:avLst/>
+          </a:prstGeom>
+        </p:spPr>
+      </p:pic>
+      <p:pic>
+        <p:nvPicPr>
+          <p:cNvPr id="7" name="Picture 6">
+            <a:extLst>
+              <a:ext uri="{FF2B5EF4-FFF2-40B4-BE49-F238E27FC236}">
+                <a16:creationId xmlns:a16="http://schemas.microsoft.com/office/drawing/2014/main" id="{A41754FB-5212-60CC-F3D9-FE19E14B1EF1}"/>
+              </a:ext>
+            </a:extLst>
+          </p:cNvPr>
+          <p:cNvPicPr>
+            <a:picLocks noChangeAspect="1"/>
+          </p:cNvPicPr>
+          <p:nvPr/>
+        </p:nvPicPr>
+        <p:blipFill>
+          <a:blip r:embed="rId3"/>
+          <a:stretch>
+            <a:fillRect/>
+          </a:stretch>
+        </p:blipFill>
+        <p:spPr>
+          <a:xfrm>
+            <a:off x="7082635" y="99587"/>
+            <a:ext cx="4834937" cy="6423434"/>
+          </a:xfrm>
+          <a:prstGeom prst="rect">
+            <a:avLst/>
+          </a:prstGeom>
+        </p:spPr>
+      </p:pic>
+      <p:pic>
+        <p:nvPicPr>
+          <p:cNvPr id="11" name="Picture 10">
+            <a:extLst>
+              <a:ext uri="{FF2B5EF4-FFF2-40B4-BE49-F238E27FC236}">
+                <a16:creationId xmlns:a16="http://schemas.microsoft.com/office/drawing/2014/main" id="{BD7B1E17-DA40-BB30-998B-CE2914DC47EA}"/>
+              </a:ext>
+            </a:extLst>
+          </p:cNvPr>
+          <p:cNvPicPr>
+            <a:picLocks noChangeAspect="1"/>
+          </p:cNvPicPr>
+          <p:nvPr/>
+        </p:nvPicPr>
+        <p:blipFill>
+          <a:blip r:embed="rId4"/>
+          <a:stretch>
+            <a:fillRect/>
+          </a:stretch>
+        </p:blipFill>
+        <p:spPr>
+          <a:xfrm>
+            <a:off x="437360" y="2509506"/>
+            <a:ext cx="5393072" cy="1838988"/>
+          </a:xfrm>
+          <a:prstGeom prst="rect">
+            <a:avLst/>
+          </a:prstGeom>
+        </p:spPr>
+      </p:pic>
+      <p:pic>
+        <p:nvPicPr>
+          <p:cNvPr id="13" name="Picture 12">
+            <a:extLst>
+              <a:ext uri="{FF2B5EF4-FFF2-40B4-BE49-F238E27FC236}">
+                <a16:creationId xmlns:a16="http://schemas.microsoft.com/office/drawing/2014/main" id="{61D3CB5E-690A-0A77-5096-CF09CF25DC0E}"/>
+              </a:ext>
+            </a:extLst>
+          </p:cNvPr>
+          <p:cNvPicPr>
+            <a:picLocks noChangeAspect="1"/>
+          </p:cNvPicPr>
+          <p:nvPr/>
+        </p:nvPicPr>
+        <p:blipFill>
+          <a:blip r:embed="rId5"/>
+          <a:stretch>
+            <a:fillRect/>
+          </a:stretch>
+        </p:blipFill>
+        <p:spPr>
+          <a:xfrm>
+            <a:off x="437360" y="4684033"/>
+            <a:ext cx="5393072" cy="1838988"/>
+          </a:xfrm>
+          <a:prstGeom prst="rect">
+            <a:avLst/>
+          </a:prstGeom>
+        </p:spPr>
+      </p:pic>
     </p:spTree>
     <p:extLst>
       <p:ext uri="{BB962C8B-B14F-4D97-AF65-F5344CB8AC3E}">
-        <p14:creationId xmlns:p14="http://schemas.microsoft.com/office/powerpoint/2010/main" val="389039166"/>
+        <p14:creationId xmlns:p14="http://schemas.microsoft.com/office/powerpoint/2010/main" val="1831408789"/>
       </p:ext>
     </p:extLst>
   </p:cSld>
@@ -4837,6 +4865,129 @@
       </p:grpSpPr>
       <p:sp>
         <p:nvSpPr>
+          <p:cNvPr id="2" name="Title 1">
+            <a:extLst>
+              <a:ext uri="{FF2B5EF4-FFF2-40B4-BE49-F238E27FC236}">
+                <a16:creationId xmlns:a16="http://schemas.microsoft.com/office/drawing/2014/main" id="{1A3E8318-C4D0-3B00-F7F1-EFAACA408EE7}"/>
+              </a:ext>
+            </a:extLst>
+          </p:cNvPr>
+          <p:cNvSpPr>
+            <a:spLocks noGrp="1"/>
+          </p:cNvSpPr>
+          <p:nvPr>
+            <p:ph type="title"/>
+          </p:nvPr>
+        </p:nvSpPr>
+        <p:spPr/>
+        <p:txBody>
+          <a:bodyPr/>
+          <a:lstStyle/>
+          <a:p>
+            <a:r>
+              <a:rPr lang="en-US" dirty="0"/>
+              <a:t>Quick Sort</a:t>
+            </a:r>
+          </a:p>
+        </p:txBody>
+      </p:sp>
+      <p:sp>
+        <p:nvSpPr>
+          <p:cNvPr id="3" name="Content Placeholder 2">
+            <a:extLst>
+              <a:ext uri="{FF2B5EF4-FFF2-40B4-BE49-F238E27FC236}">
+                <a16:creationId xmlns:a16="http://schemas.microsoft.com/office/drawing/2014/main" id="{A3F71CD0-B37B-637C-AE99-7F1F4B5B8DA4}"/>
+              </a:ext>
+            </a:extLst>
+          </p:cNvPr>
+          <p:cNvSpPr>
+            <a:spLocks noGrp="1"/>
+          </p:cNvSpPr>
+          <p:nvPr>
+            <p:ph idx="1"/>
+          </p:nvPr>
+        </p:nvSpPr>
+        <p:spPr/>
+        <p:txBody>
+          <a:bodyPr/>
+          <a:lstStyle/>
+          <a:p>
+            <a:r>
+              <a:rPr lang="en-US" dirty="0"/>
+              <a:t>It is based on divide-and-conquer</a:t>
+            </a:r>
+          </a:p>
+          <a:p>
+            <a:r>
+              <a:rPr lang="en-US" dirty="0"/>
+              <a:t>It works as follows:</a:t>
+            </a:r>
+          </a:p>
+          <a:p>
+            <a:pPr lvl="1"/>
+            <a:r>
+              <a:rPr lang="en-US" dirty="0"/>
+              <a:t>First  it partitions an array into two parts</a:t>
+            </a:r>
+          </a:p>
+          <a:p>
+            <a:pPr lvl="1"/>
+            <a:r>
+              <a:rPr lang="en-US" dirty="0"/>
+              <a:t>Then it sorts the parts independently</a:t>
+            </a:r>
+          </a:p>
+          <a:p>
+            <a:pPr lvl="1"/>
+            <a:r>
+              <a:rPr lang="en-US" dirty="0"/>
+              <a:t>Finally it combines the sorted subsequences by a simple concatenation</a:t>
+            </a:r>
+          </a:p>
+          <a:p>
+            <a:pPr marL="457200" lvl="1" indent="0">
+              <a:buNone/>
+            </a:pPr>
+            <a:endParaRPr lang="en-US" dirty="0"/>
+          </a:p>
+          <a:p>
+            <a:pPr lvl="1"/>
+            <a:endParaRPr lang="en-US" dirty="0"/>
+          </a:p>
+        </p:txBody>
+      </p:sp>
+    </p:spTree>
+    <p:extLst>
+      <p:ext uri="{BB962C8B-B14F-4D97-AF65-F5344CB8AC3E}">
+        <p14:creationId xmlns:p14="http://schemas.microsoft.com/office/powerpoint/2010/main" val="389039166"/>
+      </p:ext>
+    </p:extLst>
+  </p:cSld>
+  <p:clrMapOvr>
+    <a:masterClrMapping/>
+  </p:clrMapOvr>
+</p:sld>
+</file>
+
+<file path=ppt/slides/slide18.xml><?xml version="1.0" encoding="utf-8"?>
+<p:sld xmlns:a="http://schemas.openxmlformats.org/drawingml/2006/main" xmlns:r="http://schemas.openxmlformats.org/officeDocument/2006/relationships" xmlns:p="http://schemas.openxmlformats.org/presentationml/2006/main">
+  <p:cSld>
+    <p:spTree>
+      <p:nvGrpSpPr>
+        <p:cNvPr id="1" name=""/>
+        <p:cNvGrpSpPr/>
+        <p:nvPr/>
+      </p:nvGrpSpPr>
+      <p:grpSpPr>
+        <a:xfrm>
+          <a:off x="0" y="0"/>
+          <a:ext cx="0" cy="0"/>
+          <a:chOff x="0" y="0"/>
+          <a:chExt cx="0" cy="0"/>
+        </a:xfrm>
+      </p:grpSpPr>
+      <p:sp>
+        <p:nvSpPr>
           <p:cNvPr id="5" name="TextBox 4">
             <a:extLst>
               <a:ext uri="{FF2B5EF4-FFF2-40B4-BE49-F238E27FC236}">
@@ -4989,7 +5140,7 @@
 </p:sld>
 </file>
 
-<file path=ppt/slides/slide18.xml><?xml version="1.0" encoding="utf-8"?>
+<file path=ppt/slides/slide19.xml><?xml version="1.0" encoding="utf-8"?>
 <p:sld xmlns:a="http://schemas.openxmlformats.org/drawingml/2006/main" xmlns:r="http://schemas.openxmlformats.org/officeDocument/2006/relationships" xmlns:p="http://schemas.openxmlformats.org/presentationml/2006/main">
   <p:cSld>
     <p:spTree>
@@ -5096,220 +5247,6 @@
 </p:sld>
 </file>
 
-<file path=ppt/slides/slide19.xml><?xml version="1.0" encoding="utf-8"?>
-<p:sld xmlns:a="http://schemas.openxmlformats.org/drawingml/2006/main" xmlns:r="http://schemas.openxmlformats.org/officeDocument/2006/relationships" xmlns:p="http://schemas.openxmlformats.org/presentationml/2006/main">
-  <p:cSld>
-    <p:spTree>
-      <p:nvGrpSpPr>
-        <p:cNvPr id="1" name=""/>
-        <p:cNvGrpSpPr/>
-        <p:nvPr/>
-      </p:nvGrpSpPr>
-      <p:grpSpPr>
-        <a:xfrm>
-          <a:off x="0" y="0"/>
-          <a:ext cx="0" cy="0"/>
-          <a:chOff x="0" y="0"/>
-          <a:chExt cx="0" cy="0"/>
-        </a:xfrm>
-      </p:grpSpPr>
-      <p:sp>
-        <p:nvSpPr>
-          <p:cNvPr id="2" name="Title 1">
-            <a:extLst>
-              <a:ext uri="{FF2B5EF4-FFF2-40B4-BE49-F238E27FC236}">
-                <a16:creationId xmlns:a16="http://schemas.microsoft.com/office/drawing/2014/main" id="{E7F32255-6E50-27B7-6A0E-1B58DAC71060}"/>
-              </a:ext>
-            </a:extLst>
-          </p:cNvPr>
-          <p:cNvSpPr>
-            <a:spLocks noGrp="1"/>
-          </p:cNvSpPr>
-          <p:nvPr>
-            <p:ph type="title"/>
-          </p:nvPr>
-        </p:nvSpPr>
-        <p:spPr/>
-        <p:txBody>
-          <a:bodyPr/>
-          <a:lstStyle/>
-          <a:p>
-            <a:r>
-              <a:rPr lang="en-US" b="0" i="0" dirty="0">
-                <a:solidFill>
-                  <a:srgbClr val="000000"/>
-                </a:solidFill>
-                <a:effectLst/>
-                <a:highlight>
-                  <a:srgbClr val="FFFFFF"/>
-                </a:highlight>
-                <a:latin typeface="Segoe UI" panose="020B0502040204020203" pitchFamily="34" charset="0"/>
-              </a:rPr>
-              <a:t>Linear Search</a:t>
-            </a:r>
-            <a:br>
-              <a:rPr lang="en-US" b="0" i="0" dirty="0">
-                <a:solidFill>
-                  <a:srgbClr val="000000"/>
-                </a:solidFill>
-                <a:effectLst/>
-                <a:highlight>
-                  <a:srgbClr val="FFFFFF"/>
-                </a:highlight>
-                <a:latin typeface="Segoe UI" panose="020B0502040204020203" pitchFamily="34" charset="0"/>
-              </a:rPr>
-            </a:br>
-            <a:endParaRPr lang="en-US" dirty="0"/>
-          </a:p>
-        </p:txBody>
-      </p:sp>
-      <p:sp>
-        <p:nvSpPr>
-          <p:cNvPr id="3" name="Content Placeholder 2">
-            <a:extLst>
-              <a:ext uri="{FF2B5EF4-FFF2-40B4-BE49-F238E27FC236}">
-                <a16:creationId xmlns:a16="http://schemas.microsoft.com/office/drawing/2014/main" id="{57688C77-A57B-DD0A-045C-85641DB7D050}"/>
-              </a:ext>
-            </a:extLst>
-          </p:cNvPr>
-          <p:cNvSpPr>
-            <a:spLocks noGrp="1"/>
-          </p:cNvSpPr>
-          <p:nvPr>
-            <p:ph idx="1"/>
-          </p:nvPr>
-        </p:nvSpPr>
-        <p:spPr/>
-        <p:txBody>
-          <a:bodyPr>
-            <a:normAutofit lnSpcReduction="10000"/>
-          </a:bodyPr>
-          <a:lstStyle/>
-          <a:p>
-            <a:pPr algn="l"/>
-            <a:r>
-              <a:rPr lang="en-US" b="0" i="0" dirty="0">
-                <a:solidFill>
-                  <a:srgbClr val="000000"/>
-                </a:solidFill>
-                <a:effectLst/>
-                <a:highlight>
-                  <a:srgbClr val="FFFFFF"/>
-                </a:highlight>
-                <a:latin typeface="Verdana" panose="020B0604030504040204" pitchFamily="34" charset="0"/>
-              </a:rPr>
-              <a:t>This algorithm is really straight forward.</a:t>
-            </a:r>
-          </a:p>
-          <a:p>
-            <a:pPr algn="l"/>
-            <a:r>
-              <a:rPr lang="en-US" b="0" i="0" dirty="0">
-                <a:solidFill>
-                  <a:srgbClr val="000000"/>
-                </a:solidFill>
-                <a:effectLst/>
-                <a:highlight>
-                  <a:srgbClr val="FFFFFF"/>
-                </a:highlight>
-                <a:latin typeface="Verdana" panose="020B0604030504040204" pitchFamily="34" charset="0"/>
-              </a:rPr>
-              <a:t>Every value is checked from the start of the array to see if the value is equal to 11, the value we are trying to find.</a:t>
-            </a:r>
-          </a:p>
-          <a:p>
-            <a:pPr algn="l"/>
-            <a:r>
-              <a:rPr lang="en-US" b="0" i="0" dirty="0">
-                <a:solidFill>
-                  <a:srgbClr val="000000"/>
-                </a:solidFill>
-                <a:effectLst/>
-                <a:highlight>
-                  <a:srgbClr val="FFFFFF"/>
-                </a:highlight>
-                <a:latin typeface="Verdana" panose="020B0604030504040204" pitchFamily="34" charset="0"/>
-              </a:rPr>
-              <a:t>When the value is found, the searching is stopped, and the index where the value is found is returned.</a:t>
-            </a:r>
-          </a:p>
-          <a:p>
-            <a:pPr algn="l"/>
-            <a:r>
-              <a:rPr lang="en-US" b="0" i="0" dirty="0">
-                <a:solidFill>
-                  <a:srgbClr val="000000"/>
-                </a:solidFill>
-                <a:effectLst/>
-                <a:highlight>
-                  <a:srgbClr val="FFFFFF"/>
-                </a:highlight>
-                <a:latin typeface="Verdana" panose="020B0604030504040204" pitchFamily="34" charset="0"/>
-              </a:rPr>
-              <a:t>If the array is searched through without finding the value, -1 is returned.</a:t>
-            </a:r>
-          </a:p>
-          <a:p>
-            <a:pPr algn="l"/>
-            <a:r>
-              <a:rPr lang="en-US" b="0" i="0" dirty="0">
-                <a:solidFill>
-                  <a:srgbClr val="000000"/>
-                </a:solidFill>
-                <a:effectLst/>
-                <a:highlight>
-                  <a:srgbClr val="FFFFFF"/>
-                </a:highlight>
-                <a:latin typeface="Verdana" panose="020B0604030504040204" pitchFamily="34" charset="0"/>
-              </a:rPr>
-              <a:t>Time complexity: </a:t>
-            </a:r>
-            <a:r>
-              <a:rPr lang="en-US" b="0" i="0" dirty="0">
-                <a:effectLst/>
-                <a:latin typeface="Nunito" pitchFamily="2" charset="0"/>
-              </a:rPr>
-              <a:t>O(N)</a:t>
-            </a:r>
-            <a:endParaRPr lang="en-US" b="0" i="0" dirty="0">
-              <a:effectLst/>
-              <a:latin typeface="Verdana" panose="020B0604030504040204" pitchFamily="34" charset="0"/>
-            </a:endParaRPr>
-          </a:p>
-          <a:p>
-            <a:pPr algn="l"/>
-            <a:r>
-              <a:rPr lang="en-US" b="0" i="0" dirty="0">
-                <a:solidFill>
-                  <a:srgbClr val="000000"/>
-                </a:solidFill>
-                <a:effectLst/>
-                <a:highlight>
-                  <a:srgbClr val="FFFFFF"/>
-                </a:highlight>
-                <a:latin typeface="Verdana" panose="020B0604030504040204" pitchFamily="34" charset="0"/>
-              </a:rPr>
-              <a:t>Auxiliary Space: O(1)</a:t>
-            </a:r>
-          </a:p>
-          <a:p>
-            <a:endParaRPr lang="en-US" dirty="0"/>
-          </a:p>
-        </p:txBody>
-      </p:sp>
-    </p:spTree>
-    <p:extLst>
-      <p:ext uri="{BB962C8B-B14F-4D97-AF65-F5344CB8AC3E}">
-        <p14:creationId xmlns:p14="http://schemas.microsoft.com/office/powerpoint/2010/main" val="669720837"/>
-      </p:ext>
-    </p:extLst>
-  </p:cSld>
-  <p:clrMapOvr>
-    <a:masterClrMapping/>
-  </p:clrMapOvr>
-</p:sld>
-</file>
-
 <file path=ppt/slides/slide2.xml><?xml version="1.0" encoding="utf-8"?>
 <p:sld xmlns:a="http://schemas.openxmlformats.org/drawingml/2006/main" xmlns:r="http://schemas.openxmlformats.org/officeDocument/2006/relationships" xmlns:p="http://schemas.openxmlformats.org/presentationml/2006/main">
   <p:cSld>
@@ -5438,6 +5375,220 @@
       </p:grpSpPr>
       <p:sp>
         <p:nvSpPr>
+          <p:cNvPr id="2" name="Title 1">
+            <a:extLst>
+              <a:ext uri="{FF2B5EF4-FFF2-40B4-BE49-F238E27FC236}">
+                <a16:creationId xmlns:a16="http://schemas.microsoft.com/office/drawing/2014/main" id="{E7F32255-6E50-27B7-6A0E-1B58DAC71060}"/>
+              </a:ext>
+            </a:extLst>
+          </p:cNvPr>
+          <p:cNvSpPr>
+            <a:spLocks noGrp="1"/>
+          </p:cNvSpPr>
+          <p:nvPr>
+            <p:ph type="title"/>
+          </p:nvPr>
+        </p:nvSpPr>
+        <p:spPr/>
+        <p:txBody>
+          <a:bodyPr/>
+          <a:lstStyle/>
+          <a:p>
+            <a:r>
+              <a:rPr lang="en-US" b="0" i="0" dirty="0">
+                <a:solidFill>
+                  <a:srgbClr val="000000"/>
+                </a:solidFill>
+                <a:effectLst/>
+                <a:highlight>
+                  <a:srgbClr val="FFFFFF"/>
+                </a:highlight>
+                <a:latin typeface="Segoe UI" panose="020B0502040204020203" pitchFamily="34" charset="0"/>
+              </a:rPr>
+              <a:t>Linear Search</a:t>
+            </a:r>
+            <a:br>
+              <a:rPr lang="en-US" b="0" i="0" dirty="0">
+                <a:solidFill>
+                  <a:srgbClr val="000000"/>
+                </a:solidFill>
+                <a:effectLst/>
+                <a:highlight>
+                  <a:srgbClr val="FFFFFF"/>
+                </a:highlight>
+                <a:latin typeface="Segoe UI" panose="020B0502040204020203" pitchFamily="34" charset="0"/>
+              </a:rPr>
+            </a:br>
+            <a:endParaRPr lang="en-US" dirty="0"/>
+          </a:p>
+        </p:txBody>
+      </p:sp>
+      <p:sp>
+        <p:nvSpPr>
+          <p:cNvPr id="3" name="Content Placeholder 2">
+            <a:extLst>
+              <a:ext uri="{FF2B5EF4-FFF2-40B4-BE49-F238E27FC236}">
+                <a16:creationId xmlns:a16="http://schemas.microsoft.com/office/drawing/2014/main" id="{57688C77-A57B-DD0A-045C-85641DB7D050}"/>
+              </a:ext>
+            </a:extLst>
+          </p:cNvPr>
+          <p:cNvSpPr>
+            <a:spLocks noGrp="1"/>
+          </p:cNvSpPr>
+          <p:nvPr>
+            <p:ph idx="1"/>
+          </p:nvPr>
+        </p:nvSpPr>
+        <p:spPr/>
+        <p:txBody>
+          <a:bodyPr>
+            <a:normAutofit lnSpcReduction="10000"/>
+          </a:bodyPr>
+          <a:lstStyle/>
+          <a:p>
+            <a:pPr algn="l"/>
+            <a:r>
+              <a:rPr lang="en-US" b="0" i="0" dirty="0">
+                <a:solidFill>
+                  <a:srgbClr val="000000"/>
+                </a:solidFill>
+                <a:effectLst/>
+                <a:highlight>
+                  <a:srgbClr val="FFFFFF"/>
+                </a:highlight>
+                <a:latin typeface="Verdana" panose="020B0604030504040204" pitchFamily="34" charset="0"/>
+              </a:rPr>
+              <a:t>This algorithm is really straight forward.</a:t>
+            </a:r>
+          </a:p>
+          <a:p>
+            <a:pPr algn="l"/>
+            <a:r>
+              <a:rPr lang="en-US" b="0" i="0" dirty="0">
+                <a:solidFill>
+                  <a:srgbClr val="000000"/>
+                </a:solidFill>
+                <a:effectLst/>
+                <a:highlight>
+                  <a:srgbClr val="FFFFFF"/>
+                </a:highlight>
+                <a:latin typeface="Verdana" panose="020B0604030504040204" pitchFamily="34" charset="0"/>
+              </a:rPr>
+              <a:t>Every value is checked from the start of the array to see if the value is equal to 11, the value we are trying to find.</a:t>
+            </a:r>
+          </a:p>
+          <a:p>
+            <a:pPr algn="l"/>
+            <a:r>
+              <a:rPr lang="en-US" b="0" i="0" dirty="0">
+                <a:solidFill>
+                  <a:srgbClr val="000000"/>
+                </a:solidFill>
+                <a:effectLst/>
+                <a:highlight>
+                  <a:srgbClr val="FFFFFF"/>
+                </a:highlight>
+                <a:latin typeface="Verdana" panose="020B0604030504040204" pitchFamily="34" charset="0"/>
+              </a:rPr>
+              <a:t>When the value is found, the searching is stopped, and the index where the value is found is returned.</a:t>
+            </a:r>
+          </a:p>
+          <a:p>
+            <a:pPr algn="l"/>
+            <a:r>
+              <a:rPr lang="en-US" b="0" i="0" dirty="0">
+                <a:solidFill>
+                  <a:srgbClr val="000000"/>
+                </a:solidFill>
+                <a:effectLst/>
+                <a:highlight>
+                  <a:srgbClr val="FFFFFF"/>
+                </a:highlight>
+                <a:latin typeface="Verdana" panose="020B0604030504040204" pitchFamily="34" charset="0"/>
+              </a:rPr>
+              <a:t>If the array is searched through without finding the value, -1 is returned.</a:t>
+            </a:r>
+          </a:p>
+          <a:p>
+            <a:pPr algn="l"/>
+            <a:r>
+              <a:rPr lang="en-US" b="0" i="0" dirty="0">
+                <a:solidFill>
+                  <a:srgbClr val="000000"/>
+                </a:solidFill>
+                <a:effectLst/>
+                <a:highlight>
+                  <a:srgbClr val="FFFFFF"/>
+                </a:highlight>
+                <a:latin typeface="Verdana" panose="020B0604030504040204" pitchFamily="34" charset="0"/>
+              </a:rPr>
+              <a:t>Time complexity: </a:t>
+            </a:r>
+            <a:r>
+              <a:rPr lang="en-US" b="0" i="0" dirty="0">
+                <a:effectLst/>
+                <a:latin typeface="Nunito" pitchFamily="2" charset="0"/>
+              </a:rPr>
+              <a:t>O(N)</a:t>
+            </a:r>
+            <a:endParaRPr lang="en-US" b="0" i="0" dirty="0">
+              <a:effectLst/>
+              <a:latin typeface="Verdana" panose="020B0604030504040204" pitchFamily="34" charset="0"/>
+            </a:endParaRPr>
+          </a:p>
+          <a:p>
+            <a:pPr algn="l"/>
+            <a:r>
+              <a:rPr lang="en-US" b="0" i="0" dirty="0">
+                <a:solidFill>
+                  <a:srgbClr val="000000"/>
+                </a:solidFill>
+                <a:effectLst/>
+                <a:highlight>
+                  <a:srgbClr val="FFFFFF"/>
+                </a:highlight>
+                <a:latin typeface="Verdana" panose="020B0604030504040204" pitchFamily="34" charset="0"/>
+              </a:rPr>
+              <a:t>Auxiliary Space: O(1)</a:t>
+            </a:r>
+          </a:p>
+          <a:p>
+            <a:endParaRPr lang="en-US" dirty="0"/>
+          </a:p>
+        </p:txBody>
+      </p:sp>
+    </p:spTree>
+    <p:extLst>
+      <p:ext uri="{BB962C8B-B14F-4D97-AF65-F5344CB8AC3E}">
+        <p14:creationId xmlns:p14="http://schemas.microsoft.com/office/powerpoint/2010/main" val="669720837"/>
+      </p:ext>
+    </p:extLst>
+  </p:cSld>
+  <p:clrMapOvr>
+    <a:masterClrMapping/>
+  </p:clrMapOvr>
+</p:sld>
+</file>
+
+<file path=ppt/slides/slide21.xml><?xml version="1.0" encoding="utf-8"?>
+<p:sld xmlns:a="http://schemas.openxmlformats.org/drawingml/2006/main" xmlns:r="http://schemas.openxmlformats.org/officeDocument/2006/relationships" xmlns:p="http://schemas.openxmlformats.org/presentationml/2006/main">
+  <p:cSld>
+    <p:spTree>
+      <p:nvGrpSpPr>
+        <p:cNvPr id="1" name=""/>
+        <p:cNvGrpSpPr/>
+        <p:nvPr/>
+      </p:nvGrpSpPr>
+      <p:grpSpPr>
+        <a:xfrm>
+          <a:off x="0" y="0"/>
+          <a:ext cx="0" cy="0"/>
+          <a:chOff x="0" y="0"/>
+          <a:chExt cx="0" cy="0"/>
+        </a:xfrm>
+      </p:grpSpPr>
+      <p:sp>
+        <p:nvSpPr>
           <p:cNvPr id="5" name="TextBox 4">
             <a:extLst>
               <a:ext uri="{FF2B5EF4-FFF2-40B4-BE49-F238E27FC236}">
@@ -5563,7 +5714,7 @@
 </p:sld>
 </file>
 
-<file path=ppt/slides/slide21.xml><?xml version="1.0" encoding="utf-8"?>
+<file path=ppt/slides/slide22.xml><?xml version="1.0" encoding="utf-8"?>
 <p:sld xmlns:a="http://schemas.openxmlformats.org/drawingml/2006/main" xmlns:r="http://schemas.openxmlformats.org/officeDocument/2006/relationships" xmlns:p="http://schemas.openxmlformats.org/presentationml/2006/main">
   <p:cSld>
     <p:spTree>
@@ -5670,195 +5821,6 @@
 </p:sld>
 </file>
 
-<file path=ppt/slides/slide22.xml><?xml version="1.0" encoding="utf-8"?>
-<p:sld xmlns:a="http://schemas.openxmlformats.org/drawingml/2006/main" xmlns:r="http://schemas.openxmlformats.org/officeDocument/2006/relationships" xmlns:p="http://schemas.openxmlformats.org/presentationml/2006/main">
-  <p:cSld>
-    <p:spTree>
-      <p:nvGrpSpPr>
-        <p:cNvPr id="1" name=""/>
-        <p:cNvGrpSpPr/>
-        <p:nvPr/>
-      </p:nvGrpSpPr>
-      <p:grpSpPr>
-        <a:xfrm>
-          <a:off x="0" y="0"/>
-          <a:ext cx="0" cy="0"/>
-          <a:chOff x="0" y="0"/>
-          <a:chExt cx="0" cy="0"/>
-        </a:xfrm>
-      </p:grpSpPr>
-      <p:sp>
-        <p:nvSpPr>
-          <p:cNvPr id="2" name="Title 1">
-            <a:extLst>
-              <a:ext uri="{FF2B5EF4-FFF2-40B4-BE49-F238E27FC236}">
-                <a16:creationId xmlns:a16="http://schemas.microsoft.com/office/drawing/2014/main" id="{56F811E5-100B-D9BD-BE40-0192E2CA281F}"/>
-              </a:ext>
-            </a:extLst>
-          </p:cNvPr>
-          <p:cNvSpPr>
-            <a:spLocks noGrp="1"/>
-          </p:cNvSpPr>
-          <p:nvPr>
-            <p:ph type="title"/>
-          </p:nvPr>
-        </p:nvSpPr>
-        <p:spPr/>
-        <p:txBody>
-          <a:bodyPr/>
-          <a:lstStyle/>
-          <a:p>
-            <a:r>
-              <a:rPr lang="en-US" dirty="0"/>
-              <a:t>Binary Search</a:t>
-            </a:r>
-          </a:p>
-        </p:txBody>
-      </p:sp>
-      <p:sp>
-        <p:nvSpPr>
-          <p:cNvPr id="3" name="Content Placeholder 2">
-            <a:extLst>
-              <a:ext uri="{FF2B5EF4-FFF2-40B4-BE49-F238E27FC236}">
-                <a16:creationId xmlns:a16="http://schemas.microsoft.com/office/drawing/2014/main" id="{03DAD34C-E81A-D423-5741-6AE62F2B473B}"/>
-              </a:ext>
-            </a:extLst>
-          </p:cNvPr>
-          <p:cNvSpPr>
-            <a:spLocks noGrp="1"/>
-          </p:cNvSpPr>
-          <p:nvPr>
-            <p:ph idx="1"/>
-          </p:nvPr>
-        </p:nvSpPr>
-        <p:spPr/>
-        <p:txBody>
-          <a:bodyPr>
-            <a:normAutofit fontScale="92500" lnSpcReduction="20000"/>
-          </a:bodyPr>
-          <a:lstStyle/>
-          <a:p>
-            <a:pPr algn="l" fontAlgn="base">
-              <a:buFont typeface="Arial" panose="020B0604020202020204" pitchFamily="34" charset="0"/>
-              <a:buChar char="•"/>
-            </a:pPr>
-            <a:r>
-              <a:rPr lang="en-US" b="0" i="1" dirty="0">
-                <a:effectLst/>
-                <a:latin typeface="Nunito" pitchFamily="2" charset="0"/>
-              </a:rPr>
-              <a:t>Compare the middle element of the search space with the key. </a:t>
-            </a:r>
-          </a:p>
-          <a:p>
-            <a:pPr algn="l" fontAlgn="base">
-              <a:buFont typeface="Arial" panose="020B0604020202020204" pitchFamily="34" charset="0"/>
-              <a:buChar char="•"/>
-            </a:pPr>
-            <a:r>
-              <a:rPr lang="en-US" b="0" i="1" dirty="0">
-                <a:effectLst/>
-                <a:latin typeface="Nunito" pitchFamily="2" charset="0"/>
-              </a:rPr>
-              <a:t>If the key is found at middle element, the process is terminated.</a:t>
-            </a:r>
-          </a:p>
-          <a:p>
-            <a:pPr algn="l" fontAlgn="base">
-              <a:buFont typeface="Arial" panose="020B0604020202020204" pitchFamily="34" charset="0"/>
-              <a:buChar char="•"/>
-            </a:pPr>
-            <a:r>
-              <a:rPr lang="en-US" b="0" i="1" dirty="0">
-                <a:effectLst/>
-                <a:latin typeface="Nunito" pitchFamily="2" charset="0"/>
-              </a:rPr>
-              <a:t>If the key is not found at middle element, choose which half will be used as the next search space.</a:t>
-            </a:r>
-          </a:p>
-          <a:p>
-            <a:pPr marL="742950" lvl="1" indent="-285750" algn="l" fontAlgn="base">
-              <a:buFont typeface="Arial" panose="020B0604020202020204" pitchFamily="34" charset="0"/>
-              <a:buChar char="•"/>
-            </a:pPr>
-            <a:r>
-              <a:rPr lang="en-US" b="0" i="1" dirty="0">
-                <a:effectLst/>
-                <a:latin typeface="Nunito" pitchFamily="2" charset="0"/>
-              </a:rPr>
-              <a:t>If the key is smaller than the middle element, then the left side is used for next search.</a:t>
-            </a:r>
-          </a:p>
-          <a:p>
-            <a:pPr marL="742950" lvl="1" indent="-285750" algn="l" fontAlgn="base">
-              <a:buFont typeface="Arial" panose="020B0604020202020204" pitchFamily="34" charset="0"/>
-              <a:buChar char="•"/>
-            </a:pPr>
-            <a:r>
-              <a:rPr lang="en-US" b="0" i="1" dirty="0">
-                <a:effectLst/>
-                <a:latin typeface="Nunito" pitchFamily="2" charset="0"/>
-              </a:rPr>
-              <a:t>If the key is larger than the middle element, then the right side is used for next search.</a:t>
-            </a:r>
-          </a:p>
-          <a:p>
-            <a:pPr algn="l" fontAlgn="base">
-              <a:buFont typeface="Arial" panose="020B0604020202020204" pitchFamily="34" charset="0"/>
-              <a:buChar char="•"/>
-            </a:pPr>
-            <a:r>
-              <a:rPr lang="en-US" b="0" i="1" dirty="0">
-                <a:effectLst/>
-                <a:latin typeface="Nunito" pitchFamily="2" charset="0"/>
-              </a:rPr>
-              <a:t>This process is continued until the key is found or the total search space is exhausted.</a:t>
-            </a:r>
-          </a:p>
-          <a:p>
-            <a:pPr algn="l" fontAlgn="base">
-              <a:buFont typeface="Arial" panose="020B0604020202020204" pitchFamily="34" charset="0"/>
-              <a:buChar char="•"/>
-            </a:pPr>
-            <a:r>
-              <a:rPr lang="en-US" b="0" i="1" dirty="0">
-                <a:effectLst/>
-                <a:latin typeface="Nunito" pitchFamily="2" charset="0"/>
-              </a:rPr>
-              <a:t>Time complexity: O(log N)</a:t>
-            </a:r>
-          </a:p>
-          <a:p>
-            <a:pPr algn="l" fontAlgn="base">
-              <a:buFont typeface="Arial" panose="020B0604020202020204" pitchFamily="34" charset="0"/>
-              <a:buChar char="•"/>
-            </a:pPr>
-            <a:r>
-              <a:rPr lang="en-US" b="0" i="1" dirty="0">
-                <a:effectLst/>
-                <a:latin typeface="Nunito" pitchFamily="2" charset="0"/>
-              </a:rPr>
-              <a:t>Auxiliary Space: O(1)</a:t>
-            </a:r>
-          </a:p>
-          <a:p>
-            <a:endParaRPr lang="en-US" dirty="0"/>
-          </a:p>
-        </p:txBody>
-      </p:sp>
-    </p:spTree>
-    <p:extLst>
-      <p:ext uri="{BB962C8B-B14F-4D97-AF65-F5344CB8AC3E}">
-        <p14:creationId xmlns:p14="http://schemas.microsoft.com/office/powerpoint/2010/main" val="4235852767"/>
-      </p:ext>
-    </p:extLst>
-  </p:cSld>
-  <p:clrMapOvr>
-    <a:masterClrMapping/>
-  </p:clrMapOvr>
-</p:sld>
-</file>
-
 <file path=ppt/slides/slide23.xml><?xml version="1.0" encoding="utf-8"?>
 <p:sld xmlns:a="http://schemas.openxmlformats.org/drawingml/2006/main" xmlns:r="http://schemas.openxmlformats.org/officeDocument/2006/relationships" xmlns:p="http://schemas.openxmlformats.org/presentationml/2006/main">
   <p:cSld>
@@ -5878,6 +5840,195 @@
       </p:grpSpPr>
       <p:sp>
         <p:nvSpPr>
+          <p:cNvPr id="2" name="Title 1">
+            <a:extLst>
+              <a:ext uri="{FF2B5EF4-FFF2-40B4-BE49-F238E27FC236}">
+                <a16:creationId xmlns:a16="http://schemas.microsoft.com/office/drawing/2014/main" id="{56F811E5-100B-D9BD-BE40-0192E2CA281F}"/>
+              </a:ext>
+            </a:extLst>
+          </p:cNvPr>
+          <p:cNvSpPr>
+            <a:spLocks noGrp="1"/>
+          </p:cNvSpPr>
+          <p:nvPr>
+            <p:ph type="title"/>
+          </p:nvPr>
+        </p:nvSpPr>
+        <p:spPr/>
+        <p:txBody>
+          <a:bodyPr/>
+          <a:lstStyle/>
+          <a:p>
+            <a:r>
+              <a:rPr lang="en-US" dirty="0"/>
+              <a:t>Binary Search</a:t>
+            </a:r>
+          </a:p>
+        </p:txBody>
+      </p:sp>
+      <p:sp>
+        <p:nvSpPr>
+          <p:cNvPr id="3" name="Content Placeholder 2">
+            <a:extLst>
+              <a:ext uri="{FF2B5EF4-FFF2-40B4-BE49-F238E27FC236}">
+                <a16:creationId xmlns:a16="http://schemas.microsoft.com/office/drawing/2014/main" id="{03DAD34C-E81A-D423-5741-6AE62F2B473B}"/>
+              </a:ext>
+            </a:extLst>
+          </p:cNvPr>
+          <p:cNvSpPr>
+            <a:spLocks noGrp="1"/>
+          </p:cNvSpPr>
+          <p:nvPr>
+            <p:ph idx="1"/>
+          </p:nvPr>
+        </p:nvSpPr>
+        <p:spPr/>
+        <p:txBody>
+          <a:bodyPr>
+            <a:normAutofit fontScale="92500" lnSpcReduction="20000"/>
+          </a:bodyPr>
+          <a:lstStyle/>
+          <a:p>
+            <a:pPr algn="l" fontAlgn="base">
+              <a:buFont typeface="Arial" panose="020B0604020202020204" pitchFamily="34" charset="0"/>
+              <a:buChar char="•"/>
+            </a:pPr>
+            <a:r>
+              <a:rPr lang="en-US" b="0" i="1" dirty="0">
+                <a:effectLst/>
+                <a:latin typeface="Nunito" pitchFamily="2" charset="0"/>
+              </a:rPr>
+              <a:t>Compare the middle element of the search space with the key. </a:t>
+            </a:r>
+          </a:p>
+          <a:p>
+            <a:pPr algn="l" fontAlgn="base">
+              <a:buFont typeface="Arial" panose="020B0604020202020204" pitchFamily="34" charset="0"/>
+              <a:buChar char="•"/>
+            </a:pPr>
+            <a:r>
+              <a:rPr lang="en-US" b="0" i="1" dirty="0">
+                <a:effectLst/>
+                <a:latin typeface="Nunito" pitchFamily="2" charset="0"/>
+              </a:rPr>
+              <a:t>If the key is found at middle element, the process is terminated.</a:t>
+            </a:r>
+          </a:p>
+          <a:p>
+            <a:pPr algn="l" fontAlgn="base">
+              <a:buFont typeface="Arial" panose="020B0604020202020204" pitchFamily="34" charset="0"/>
+              <a:buChar char="•"/>
+            </a:pPr>
+            <a:r>
+              <a:rPr lang="en-US" b="0" i="1" dirty="0">
+                <a:effectLst/>
+                <a:latin typeface="Nunito" pitchFamily="2" charset="0"/>
+              </a:rPr>
+              <a:t>If the key is not found at middle element, choose which half will be used as the next search space.</a:t>
+            </a:r>
+          </a:p>
+          <a:p>
+            <a:pPr marL="742950" lvl="1" indent="-285750" algn="l" fontAlgn="base">
+              <a:buFont typeface="Arial" panose="020B0604020202020204" pitchFamily="34" charset="0"/>
+              <a:buChar char="•"/>
+            </a:pPr>
+            <a:r>
+              <a:rPr lang="en-US" b="0" i="1" dirty="0">
+                <a:effectLst/>
+                <a:latin typeface="Nunito" pitchFamily="2" charset="0"/>
+              </a:rPr>
+              <a:t>If the key is smaller than the middle element, then the left side is used for next search.</a:t>
+            </a:r>
+          </a:p>
+          <a:p>
+            <a:pPr marL="742950" lvl="1" indent="-285750" algn="l" fontAlgn="base">
+              <a:buFont typeface="Arial" panose="020B0604020202020204" pitchFamily="34" charset="0"/>
+              <a:buChar char="•"/>
+            </a:pPr>
+            <a:r>
+              <a:rPr lang="en-US" b="0" i="1" dirty="0">
+                <a:effectLst/>
+                <a:latin typeface="Nunito" pitchFamily="2" charset="0"/>
+              </a:rPr>
+              <a:t>If the key is larger than the middle element, then the right side is used for next search.</a:t>
+            </a:r>
+          </a:p>
+          <a:p>
+            <a:pPr algn="l" fontAlgn="base">
+              <a:buFont typeface="Arial" panose="020B0604020202020204" pitchFamily="34" charset="0"/>
+              <a:buChar char="•"/>
+            </a:pPr>
+            <a:r>
+              <a:rPr lang="en-US" b="0" i="1" dirty="0">
+                <a:effectLst/>
+                <a:latin typeface="Nunito" pitchFamily="2" charset="0"/>
+              </a:rPr>
+              <a:t>This process is continued until the key is found or the total search space is exhausted.</a:t>
+            </a:r>
+          </a:p>
+          <a:p>
+            <a:pPr algn="l" fontAlgn="base">
+              <a:buFont typeface="Arial" panose="020B0604020202020204" pitchFamily="34" charset="0"/>
+              <a:buChar char="•"/>
+            </a:pPr>
+            <a:r>
+              <a:rPr lang="en-US" b="0" i="1" dirty="0">
+                <a:effectLst/>
+                <a:latin typeface="Nunito" pitchFamily="2" charset="0"/>
+              </a:rPr>
+              <a:t>Time complexity: O(log N)</a:t>
+            </a:r>
+          </a:p>
+          <a:p>
+            <a:pPr algn="l" fontAlgn="base">
+              <a:buFont typeface="Arial" panose="020B0604020202020204" pitchFamily="34" charset="0"/>
+              <a:buChar char="•"/>
+            </a:pPr>
+            <a:r>
+              <a:rPr lang="en-US" b="0" i="1" dirty="0">
+                <a:effectLst/>
+                <a:latin typeface="Nunito" pitchFamily="2" charset="0"/>
+              </a:rPr>
+              <a:t>Auxiliary Space: O(1)</a:t>
+            </a:r>
+          </a:p>
+          <a:p>
+            <a:endParaRPr lang="en-US" dirty="0"/>
+          </a:p>
+        </p:txBody>
+      </p:sp>
+    </p:spTree>
+    <p:extLst>
+      <p:ext uri="{BB962C8B-B14F-4D97-AF65-F5344CB8AC3E}">
+        <p14:creationId xmlns:p14="http://schemas.microsoft.com/office/powerpoint/2010/main" val="4235852767"/>
+      </p:ext>
+    </p:extLst>
+  </p:cSld>
+  <p:clrMapOvr>
+    <a:masterClrMapping/>
+  </p:clrMapOvr>
+</p:sld>
+</file>
+
+<file path=ppt/slides/slide24.xml><?xml version="1.0" encoding="utf-8"?>
+<p:sld xmlns:a="http://schemas.openxmlformats.org/drawingml/2006/main" xmlns:r="http://schemas.openxmlformats.org/officeDocument/2006/relationships" xmlns:p="http://schemas.openxmlformats.org/presentationml/2006/main">
+  <p:cSld>
+    <p:spTree>
+      <p:nvGrpSpPr>
+        <p:cNvPr id="1" name=""/>
+        <p:cNvGrpSpPr/>
+        <p:nvPr/>
+      </p:nvGrpSpPr>
+      <p:grpSpPr>
+        <a:xfrm>
+          <a:off x="0" y="0"/>
+          <a:ext cx="0" cy="0"/>
+          <a:chOff x="0" y="0"/>
+          <a:chExt cx="0" cy="0"/>
+        </a:xfrm>
+      </p:grpSpPr>
+      <p:sp>
+        <p:nvSpPr>
           <p:cNvPr id="5" name="TextBox 4">
             <a:extLst>
               <a:ext uri="{FF2B5EF4-FFF2-40B4-BE49-F238E27FC236}">
@@ -6016,7 +6167,7 @@
 </p:sld>
 </file>
 
-<file path=ppt/slides/slide24.xml><?xml version="1.0" encoding="utf-8"?>
+<file path=ppt/slides/slide25.xml><?xml version="1.0" encoding="utf-8"?>
 <p:sld xmlns:a="http://schemas.openxmlformats.org/drawingml/2006/main" xmlns:r="http://schemas.openxmlformats.org/officeDocument/2006/relationships" xmlns:p="http://schemas.openxmlformats.org/presentationml/2006/main">
   <p:cSld>
     <p:spTree>
@@ -6221,13 +6372,8 @@
           <a:p>
             <a:r>
               <a:rPr lang="en-US" dirty="0"/>
-              <a:t>Recursive or </a:t>
-            </a:r>
-            <a:r>
-              <a:rPr lang="en-US"/>
-              <a:t>non recursive</a:t>
-            </a:r>
-            <a:endParaRPr lang="en-US" dirty="0"/>
+              <a:t>Recursive or non recursive</a:t>
+            </a:r>
           </a:p>
         </p:txBody>
       </p:sp>
@@ -6601,7 +6747,7 @@
         </p:blipFill>
         <p:spPr>
           <a:xfrm>
-            <a:off x="625285" y="436039"/>
+            <a:off x="555617" y="496999"/>
             <a:ext cx="5315692" cy="4906060"/>
           </a:xfrm>
           <a:prstGeom prst="rect">
@@ -6611,10 +6757,10 @@
       </p:pic>
       <p:pic>
         <p:nvPicPr>
-          <p:cNvPr id="11" name="Picture 10">
-            <a:extLst>
-              <a:ext uri="{FF2B5EF4-FFF2-40B4-BE49-F238E27FC236}">
-                <a16:creationId xmlns:a16="http://schemas.microsoft.com/office/drawing/2014/main" id="{651B4536-C296-9BBC-1495-A97C7945F864}"/>
+          <p:cNvPr id="6" name="Picture 5">
+            <a:extLst>
+              <a:ext uri="{FF2B5EF4-FFF2-40B4-BE49-F238E27FC236}">
+                <a16:creationId xmlns:a16="http://schemas.microsoft.com/office/drawing/2014/main" id="{E17AA28E-3529-B32E-C14E-AB9EC167AD9D}"/>
               </a:ext>
             </a:extLst>
           </p:cNvPr>
@@ -6631,8 +6777,8 @@
         </p:blipFill>
         <p:spPr>
           <a:xfrm>
-            <a:off x="6750911" y="1175657"/>
-            <a:ext cx="4352518" cy="4032069"/>
+            <a:off x="6468349" y="574766"/>
+            <a:ext cx="5020376" cy="4828293"/>
           </a:xfrm>
           <a:prstGeom prst="rect">
             <a:avLst/>
@@ -6911,7 +7057,24 @@
                 <a:effectLst/>
                 <a:latin typeface="Nunito" pitchFamily="2" charset="0"/>
               </a:rPr>
-              <a:t>Bubble sort is a comparison-based sorting algorithm, which means that it requires a comparison operator to determine the relative order of elements in the input data set. It can limit the efficiency of the algorithm in certain cases.</a:t>
+              <a:t>Bubble sort is a comparison-based sorting algorithm, </a:t>
+            </a:r>
+            <a:r>
+              <a:rPr lang="en-US" b="0" i="0" dirty="0">
+                <a:effectLst/>
+                <a:highlight>
+                  <a:srgbClr val="00FF00"/>
+                </a:highlight>
+                <a:latin typeface="Nunito" pitchFamily="2" charset="0"/>
+              </a:rPr>
+              <a:t>which means that it requires a comparison operator to determine the relative order of elements in the input data set. It can limit the efficiency of the algorithm in certain cases</a:t>
+            </a:r>
+            <a:r>
+              <a:rPr lang="en-US" b="0" i="0" dirty="0">
+                <a:effectLst/>
+                <a:latin typeface="Nunito" pitchFamily="2" charset="0"/>
+              </a:rPr>
+              <a:t>.</a:t>
             </a:r>
           </a:p>
         </p:txBody>
@@ -6995,10 +7158,10 @@
       </p:pic>
       <p:pic>
         <p:nvPicPr>
-          <p:cNvPr id="9" name="Picture 8">
-            <a:extLst>
-              <a:ext uri="{FF2B5EF4-FFF2-40B4-BE49-F238E27FC236}">
-                <a16:creationId xmlns:a16="http://schemas.microsoft.com/office/drawing/2014/main" id="{008F7B70-E38A-66B8-CD62-459D9537DE9C}"/>
+          <p:cNvPr id="3" name="Picture 2">
+            <a:extLst>
+              <a:ext uri="{FF2B5EF4-FFF2-40B4-BE49-F238E27FC236}">
+                <a16:creationId xmlns:a16="http://schemas.microsoft.com/office/drawing/2014/main" id="{42920D9E-6BFE-338B-5B81-1066021E1BBD}"/>
               </a:ext>
             </a:extLst>
           </p:cNvPr>
@@ -7015,8 +7178,8 @@
         </p:blipFill>
         <p:spPr>
           <a:xfrm>
-            <a:off x="6001315" y="1549854"/>
-            <a:ext cx="5553850" cy="3823335"/>
+            <a:off x="6291295" y="1673745"/>
+            <a:ext cx="5391902" cy="2953162"/>
           </a:xfrm>
           <a:prstGeom prst="rect">
             <a:avLst/>
